--- a/MICCAIConference/Fig.pptx
+++ b/MICCAIConference/Fig.pptx
@@ -106,6 +106,22 @@
       </a:defRPr>
     </a:lvl9pPr>
   </p:defaultTextStyle>
+  <p:extLst>
+    <p:ext uri="{EFAFB233-063F-42B5-8137-9DF3F51BA10A}">
+      <p15:sldGuideLst xmlns:p15="http://schemas.microsoft.com/office/powerpoint/2012/main">
+        <p15:guide id="1" orient="horz" pos="2160">
+          <p15:clr>
+            <a:srgbClr val="A4A3A4"/>
+          </p15:clr>
+        </p15:guide>
+        <p15:guide id="2" pos="3840">
+          <p15:clr>
+            <a:srgbClr val="A4A3A4"/>
+          </p15:clr>
+        </p15:guide>
+      </p15:sldGuideLst>
+    </p:ext>
+  </p:extLst>
 </p:presentation>
 </file>
 
@@ -147,10 +163,9 @@
           <a:lstStyle/>
           <a:p>
             <a:r>
-              <a:rPr lang="zh-CN" altLang="en-US" smtClean="0"/>
+              <a:rPr lang="zh-CN" altLang="en-US"/>
               <a:t>单击此处编辑母版标题样式</a:t>
             </a:r>
-            <a:endParaRPr lang="zh-CN" altLang="en-US"/>
           </a:p>
         </p:txBody>
       </p:sp>
@@ -266,10 +281,9 @@
           </a:lstStyle>
           <a:p>
             <a:r>
-              <a:rPr lang="zh-CN" altLang="en-US" smtClean="0"/>
+              <a:rPr lang="zh-CN" altLang="en-US"/>
               <a:t>单击此处编辑母版副标题样式</a:t>
             </a:r>
-            <a:endParaRPr lang="zh-CN" altLang="en-US"/>
           </a:p>
         </p:txBody>
       </p:sp>
@@ -290,7 +304,7 @@
           <a:p>
             <a:fld id="{D997B5FA-0921-464F-AAE1-844C04324D75}" type="datetimeFigureOut">
               <a:rPr lang="zh-CN" altLang="en-US" smtClean="0"/>
-              <a:t>2017/1/15</a:t>
+              <a:t>2019/1/13</a:t>
             </a:fld>
             <a:endParaRPr lang="zh-CN" altLang="en-US"/>
           </a:p>
@@ -384,10 +398,9 @@
           <a:lstStyle/>
           <a:p>
             <a:r>
-              <a:rPr lang="zh-CN" altLang="en-US" smtClean="0"/>
+              <a:rPr lang="zh-CN" altLang="en-US"/>
               <a:t>单击此处编辑母版标题样式</a:t>
             </a:r>
-            <a:endParaRPr lang="zh-CN" altLang="en-US"/>
           </a:p>
         </p:txBody>
       </p:sp>
@@ -408,38 +421,37 @@
           <a:p>
             <a:pPr lvl="0"/>
             <a:r>
-              <a:rPr lang="zh-CN" altLang="en-US" smtClean="0"/>
+              <a:rPr lang="zh-CN" altLang="en-US"/>
               <a:t>单击此处编辑母版文本样式</a:t>
             </a:r>
           </a:p>
           <a:p>
             <a:pPr lvl="1"/>
             <a:r>
-              <a:rPr lang="zh-CN" altLang="en-US" smtClean="0"/>
+              <a:rPr lang="zh-CN" altLang="en-US"/>
               <a:t>第二级</a:t>
             </a:r>
           </a:p>
           <a:p>
             <a:pPr lvl="2"/>
             <a:r>
-              <a:rPr lang="zh-CN" altLang="en-US" smtClean="0"/>
+              <a:rPr lang="zh-CN" altLang="en-US"/>
               <a:t>第三级</a:t>
             </a:r>
           </a:p>
           <a:p>
             <a:pPr lvl="3"/>
             <a:r>
-              <a:rPr lang="zh-CN" altLang="en-US" smtClean="0"/>
+              <a:rPr lang="zh-CN" altLang="en-US"/>
               <a:t>第四级</a:t>
             </a:r>
           </a:p>
           <a:p>
             <a:pPr lvl="4"/>
             <a:r>
-              <a:rPr lang="zh-CN" altLang="en-US" smtClean="0"/>
+              <a:rPr lang="zh-CN" altLang="en-US"/>
               <a:t>第五级</a:t>
             </a:r>
-            <a:endParaRPr lang="zh-CN" altLang="en-US"/>
           </a:p>
         </p:txBody>
       </p:sp>
@@ -460,7 +472,7 @@
           <a:p>
             <a:fld id="{D997B5FA-0921-464F-AAE1-844C04324D75}" type="datetimeFigureOut">
               <a:rPr lang="zh-CN" altLang="en-US" smtClean="0"/>
-              <a:t>2017/1/15</a:t>
+              <a:t>2019/1/13</a:t>
             </a:fld>
             <a:endParaRPr lang="zh-CN" altLang="en-US"/>
           </a:p>
@@ -559,10 +571,9 @@
           <a:lstStyle/>
           <a:p>
             <a:r>
-              <a:rPr lang="zh-CN" altLang="en-US" smtClean="0"/>
+              <a:rPr lang="zh-CN" altLang="en-US"/>
               <a:t>单击此处编辑母版标题样式</a:t>
             </a:r>
-            <a:endParaRPr lang="zh-CN" altLang="en-US"/>
           </a:p>
         </p:txBody>
       </p:sp>
@@ -588,38 +599,37 @@
           <a:p>
             <a:pPr lvl="0"/>
             <a:r>
-              <a:rPr lang="zh-CN" altLang="en-US" smtClean="0"/>
+              <a:rPr lang="zh-CN" altLang="en-US"/>
               <a:t>单击此处编辑母版文本样式</a:t>
             </a:r>
           </a:p>
           <a:p>
             <a:pPr lvl="1"/>
             <a:r>
-              <a:rPr lang="zh-CN" altLang="en-US" smtClean="0"/>
+              <a:rPr lang="zh-CN" altLang="en-US"/>
               <a:t>第二级</a:t>
             </a:r>
           </a:p>
           <a:p>
             <a:pPr lvl="2"/>
             <a:r>
-              <a:rPr lang="zh-CN" altLang="en-US" smtClean="0"/>
+              <a:rPr lang="zh-CN" altLang="en-US"/>
               <a:t>第三级</a:t>
             </a:r>
           </a:p>
           <a:p>
             <a:pPr lvl="3"/>
             <a:r>
-              <a:rPr lang="zh-CN" altLang="en-US" smtClean="0"/>
+              <a:rPr lang="zh-CN" altLang="en-US"/>
               <a:t>第四级</a:t>
             </a:r>
           </a:p>
           <a:p>
             <a:pPr lvl="4"/>
             <a:r>
-              <a:rPr lang="zh-CN" altLang="en-US" smtClean="0"/>
+              <a:rPr lang="zh-CN" altLang="en-US"/>
               <a:t>第五级</a:t>
             </a:r>
-            <a:endParaRPr lang="zh-CN" altLang="en-US"/>
           </a:p>
         </p:txBody>
       </p:sp>
@@ -640,7 +650,7 @@
           <a:p>
             <a:fld id="{D997B5FA-0921-464F-AAE1-844C04324D75}" type="datetimeFigureOut">
               <a:rPr lang="zh-CN" altLang="en-US" smtClean="0"/>
-              <a:t>2017/1/15</a:t>
+              <a:t>2019/1/13</a:t>
             </a:fld>
             <a:endParaRPr lang="zh-CN" altLang="en-US"/>
           </a:p>
@@ -734,10 +744,9 @@
           <a:lstStyle/>
           <a:p>
             <a:r>
-              <a:rPr lang="zh-CN" altLang="en-US" smtClean="0"/>
+              <a:rPr lang="zh-CN" altLang="en-US"/>
               <a:t>单击此处编辑母版标题样式</a:t>
             </a:r>
-            <a:endParaRPr lang="zh-CN" altLang="en-US"/>
           </a:p>
         </p:txBody>
       </p:sp>
@@ -758,38 +767,37 @@
           <a:p>
             <a:pPr lvl="0"/>
             <a:r>
-              <a:rPr lang="zh-CN" altLang="en-US" smtClean="0"/>
+              <a:rPr lang="zh-CN" altLang="en-US"/>
               <a:t>单击此处编辑母版文本样式</a:t>
             </a:r>
           </a:p>
           <a:p>
             <a:pPr lvl="1"/>
             <a:r>
-              <a:rPr lang="zh-CN" altLang="en-US" smtClean="0"/>
+              <a:rPr lang="zh-CN" altLang="en-US"/>
               <a:t>第二级</a:t>
             </a:r>
           </a:p>
           <a:p>
             <a:pPr lvl="2"/>
             <a:r>
-              <a:rPr lang="zh-CN" altLang="en-US" smtClean="0"/>
+              <a:rPr lang="zh-CN" altLang="en-US"/>
               <a:t>第三级</a:t>
             </a:r>
           </a:p>
           <a:p>
             <a:pPr lvl="3"/>
             <a:r>
-              <a:rPr lang="zh-CN" altLang="en-US" smtClean="0"/>
+              <a:rPr lang="zh-CN" altLang="en-US"/>
               <a:t>第四级</a:t>
             </a:r>
           </a:p>
           <a:p>
             <a:pPr lvl="4"/>
             <a:r>
-              <a:rPr lang="zh-CN" altLang="en-US" smtClean="0"/>
+              <a:rPr lang="zh-CN" altLang="en-US"/>
               <a:t>第五级</a:t>
             </a:r>
-            <a:endParaRPr lang="zh-CN" altLang="en-US"/>
           </a:p>
         </p:txBody>
       </p:sp>
@@ -810,7 +818,7 @@
           <a:p>
             <a:fld id="{D997B5FA-0921-464F-AAE1-844C04324D75}" type="datetimeFigureOut">
               <a:rPr lang="zh-CN" altLang="en-US" smtClean="0"/>
-              <a:t>2017/1/15</a:t>
+              <a:t>2019/1/13</a:t>
             </a:fld>
             <a:endParaRPr lang="zh-CN" altLang="en-US"/>
           </a:p>
@@ -913,10 +921,9 @@
           </a:lstStyle>
           <a:p>
             <a:r>
-              <a:rPr lang="zh-CN" altLang="en-US" smtClean="0"/>
+              <a:rPr lang="zh-CN" altLang="en-US"/>
               <a:t>单击此处编辑母版标题样式</a:t>
             </a:r>
-            <a:endParaRPr lang="zh-CN" altLang="en-US"/>
           </a:p>
         </p:txBody>
       </p:sp>
@@ -1033,7 +1040,7 @@
           <a:p>
             <a:pPr lvl="0"/>
             <a:r>
-              <a:rPr lang="zh-CN" altLang="en-US" smtClean="0"/>
+              <a:rPr lang="zh-CN" altLang="en-US"/>
               <a:t>单击此处编辑母版文本样式</a:t>
             </a:r>
           </a:p>
@@ -1056,7 +1063,7 @@
           <a:p>
             <a:fld id="{D997B5FA-0921-464F-AAE1-844C04324D75}" type="datetimeFigureOut">
               <a:rPr lang="zh-CN" altLang="en-US" smtClean="0"/>
-              <a:t>2017/1/15</a:t>
+              <a:t>2019/1/13</a:t>
             </a:fld>
             <a:endParaRPr lang="zh-CN" altLang="en-US"/>
           </a:p>
@@ -1150,10 +1157,9 @@
           <a:lstStyle/>
           <a:p>
             <a:r>
-              <a:rPr lang="zh-CN" altLang="en-US" smtClean="0"/>
+              <a:rPr lang="zh-CN" altLang="en-US"/>
               <a:t>单击此处编辑母版标题样式</a:t>
             </a:r>
-            <a:endParaRPr lang="zh-CN" altLang="en-US"/>
           </a:p>
         </p:txBody>
       </p:sp>
@@ -1207,38 +1213,37 @@
           <a:p>
             <a:pPr lvl="0"/>
             <a:r>
-              <a:rPr lang="zh-CN" altLang="en-US" smtClean="0"/>
+              <a:rPr lang="zh-CN" altLang="en-US"/>
               <a:t>单击此处编辑母版文本样式</a:t>
             </a:r>
           </a:p>
           <a:p>
             <a:pPr lvl="1"/>
             <a:r>
-              <a:rPr lang="zh-CN" altLang="en-US" smtClean="0"/>
+              <a:rPr lang="zh-CN" altLang="en-US"/>
               <a:t>第二级</a:t>
             </a:r>
           </a:p>
           <a:p>
             <a:pPr lvl="2"/>
             <a:r>
-              <a:rPr lang="zh-CN" altLang="en-US" smtClean="0"/>
+              <a:rPr lang="zh-CN" altLang="en-US"/>
               <a:t>第三级</a:t>
             </a:r>
           </a:p>
           <a:p>
             <a:pPr lvl="3"/>
             <a:r>
-              <a:rPr lang="zh-CN" altLang="en-US" smtClean="0"/>
+              <a:rPr lang="zh-CN" altLang="en-US"/>
               <a:t>第四级</a:t>
             </a:r>
           </a:p>
           <a:p>
             <a:pPr lvl="4"/>
             <a:r>
-              <a:rPr lang="zh-CN" altLang="en-US" smtClean="0"/>
+              <a:rPr lang="zh-CN" altLang="en-US"/>
               <a:t>第五级</a:t>
             </a:r>
-            <a:endParaRPr lang="zh-CN" altLang="en-US"/>
           </a:p>
         </p:txBody>
       </p:sp>
@@ -1292,38 +1297,37 @@
           <a:p>
             <a:pPr lvl="0"/>
             <a:r>
-              <a:rPr lang="zh-CN" altLang="en-US" smtClean="0"/>
+              <a:rPr lang="zh-CN" altLang="en-US"/>
               <a:t>单击此处编辑母版文本样式</a:t>
             </a:r>
           </a:p>
           <a:p>
             <a:pPr lvl="1"/>
             <a:r>
-              <a:rPr lang="zh-CN" altLang="en-US" smtClean="0"/>
+              <a:rPr lang="zh-CN" altLang="en-US"/>
               <a:t>第二级</a:t>
             </a:r>
           </a:p>
           <a:p>
             <a:pPr lvl="2"/>
             <a:r>
-              <a:rPr lang="zh-CN" altLang="en-US" smtClean="0"/>
+              <a:rPr lang="zh-CN" altLang="en-US"/>
               <a:t>第三级</a:t>
             </a:r>
           </a:p>
           <a:p>
             <a:pPr lvl="3"/>
             <a:r>
-              <a:rPr lang="zh-CN" altLang="en-US" smtClean="0"/>
+              <a:rPr lang="zh-CN" altLang="en-US"/>
               <a:t>第四级</a:t>
             </a:r>
           </a:p>
           <a:p>
             <a:pPr lvl="4"/>
             <a:r>
-              <a:rPr lang="zh-CN" altLang="en-US" smtClean="0"/>
+              <a:rPr lang="zh-CN" altLang="en-US"/>
               <a:t>第五级</a:t>
             </a:r>
-            <a:endParaRPr lang="zh-CN" altLang="en-US"/>
           </a:p>
         </p:txBody>
       </p:sp>
@@ -1344,7 +1348,7 @@
           <a:p>
             <a:fld id="{D997B5FA-0921-464F-AAE1-844C04324D75}" type="datetimeFigureOut">
               <a:rPr lang="zh-CN" altLang="en-US" smtClean="0"/>
-              <a:t>2017/1/15</a:t>
+              <a:t>2019/1/13</a:t>
             </a:fld>
             <a:endParaRPr lang="zh-CN" altLang="en-US"/>
           </a:p>
@@ -1442,10 +1446,9 @@
           </a:lstStyle>
           <a:p>
             <a:r>
-              <a:rPr lang="zh-CN" altLang="en-US" smtClean="0"/>
+              <a:rPr lang="zh-CN" altLang="en-US"/>
               <a:t>单击此处编辑母版标题样式</a:t>
             </a:r>
-            <a:endParaRPr lang="zh-CN" altLang="en-US"/>
           </a:p>
         </p:txBody>
       </p:sp>
@@ -1508,7 +1511,7 @@
           <a:p>
             <a:pPr lvl="0"/>
             <a:r>
-              <a:rPr lang="zh-CN" altLang="en-US" smtClean="0"/>
+              <a:rPr lang="zh-CN" altLang="en-US"/>
               <a:t>单击此处编辑母版文本样式</a:t>
             </a:r>
           </a:p>
@@ -1564,38 +1567,37 @@
           <a:p>
             <a:pPr lvl="0"/>
             <a:r>
-              <a:rPr lang="zh-CN" altLang="en-US" smtClean="0"/>
+              <a:rPr lang="zh-CN" altLang="en-US"/>
               <a:t>单击此处编辑母版文本样式</a:t>
             </a:r>
           </a:p>
           <a:p>
             <a:pPr lvl="1"/>
             <a:r>
-              <a:rPr lang="zh-CN" altLang="en-US" smtClean="0"/>
+              <a:rPr lang="zh-CN" altLang="en-US"/>
               <a:t>第二级</a:t>
             </a:r>
           </a:p>
           <a:p>
             <a:pPr lvl="2"/>
             <a:r>
-              <a:rPr lang="zh-CN" altLang="en-US" smtClean="0"/>
+              <a:rPr lang="zh-CN" altLang="en-US"/>
               <a:t>第三级</a:t>
             </a:r>
           </a:p>
           <a:p>
             <a:pPr lvl="3"/>
             <a:r>
-              <a:rPr lang="zh-CN" altLang="en-US" smtClean="0"/>
+              <a:rPr lang="zh-CN" altLang="en-US"/>
               <a:t>第四级</a:t>
             </a:r>
           </a:p>
           <a:p>
             <a:pPr lvl="4"/>
             <a:r>
-              <a:rPr lang="zh-CN" altLang="en-US" smtClean="0"/>
+              <a:rPr lang="zh-CN" altLang="en-US"/>
               <a:t>第五级</a:t>
             </a:r>
-            <a:endParaRPr lang="zh-CN" altLang="en-US"/>
           </a:p>
         </p:txBody>
       </p:sp>
@@ -1658,7 +1660,7 @@
           <a:p>
             <a:pPr lvl="0"/>
             <a:r>
-              <a:rPr lang="zh-CN" altLang="en-US" smtClean="0"/>
+              <a:rPr lang="zh-CN" altLang="en-US"/>
               <a:t>单击此处编辑母版文本样式</a:t>
             </a:r>
           </a:p>
@@ -1714,38 +1716,37 @@
           <a:p>
             <a:pPr lvl="0"/>
             <a:r>
-              <a:rPr lang="zh-CN" altLang="en-US" smtClean="0"/>
+              <a:rPr lang="zh-CN" altLang="en-US"/>
               <a:t>单击此处编辑母版文本样式</a:t>
             </a:r>
           </a:p>
           <a:p>
             <a:pPr lvl="1"/>
             <a:r>
-              <a:rPr lang="zh-CN" altLang="en-US" smtClean="0"/>
+              <a:rPr lang="zh-CN" altLang="en-US"/>
               <a:t>第二级</a:t>
             </a:r>
           </a:p>
           <a:p>
             <a:pPr lvl="2"/>
             <a:r>
-              <a:rPr lang="zh-CN" altLang="en-US" smtClean="0"/>
+              <a:rPr lang="zh-CN" altLang="en-US"/>
               <a:t>第三级</a:t>
             </a:r>
           </a:p>
           <a:p>
             <a:pPr lvl="3"/>
             <a:r>
-              <a:rPr lang="zh-CN" altLang="en-US" smtClean="0"/>
+              <a:rPr lang="zh-CN" altLang="en-US"/>
               <a:t>第四级</a:t>
             </a:r>
           </a:p>
           <a:p>
             <a:pPr lvl="4"/>
             <a:r>
-              <a:rPr lang="zh-CN" altLang="en-US" smtClean="0"/>
+              <a:rPr lang="zh-CN" altLang="en-US"/>
               <a:t>第五级</a:t>
             </a:r>
-            <a:endParaRPr lang="zh-CN" altLang="en-US"/>
           </a:p>
         </p:txBody>
       </p:sp>
@@ -1766,7 +1767,7 @@
           <a:p>
             <a:fld id="{D997B5FA-0921-464F-AAE1-844C04324D75}" type="datetimeFigureOut">
               <a:rPr lang="zh-CN" altLang="en-US" smtClean="0"/>
-              <a:t>2017/1/15</a:t>
+              <a:t>2019/1/13</a:t>
             </a:fld>
             <a:endParaRPr lang="zh-CN" altLang="en-US"/>
           </a:p>
@@ -1860,10 +1861,9 @@
           <a:lstStyle/>
           <a:p>
             <a:r>
-              <a:rPr lang="zh-CN" altLang="en-US" smtClean="0"/>
+              <a:rPr lang="zh-CN" altLang="en-US"/>
               <a:t>单击此处编辑母版标题样式</a:t>
             </a:r>
-            <a:endParaRPr lang="zh-CN" altLang="en-US"/>
           </a:p>
         </p:txBody>
       </p:sp>
@@ -1884,7 +1884,7 @@
           <a:p>
             <a:fld id="{D997B5FA-0921-464F-AAE1-844C04324D75}" type="datetimeFigureOut">
               <a:rPr lang="zh-CN" altLang="en-US" smtClean="0"/>
-              <a:t>2017/1/15</a:t>
+              <a:t>2019/1/13</a:t>
             </a:fld>
             <a:endParaRPr lang="zh-CN" altLang="en-US"/>
           </a:p>
@@ -1979,7 +1979,7 @@
           <a:p>
             <a:fld id="{D997B5FA-0921-464F-AAE1-844C04324D75}" type="datetimeFigureOut">
               <a:rPr lang="zh-CN" altLang="en-US" smtClean="0"/>
-              <a:t>2017/1/15</a:t>
+              <a:t>2019/1/13</a:t>
             </a:fld>
             <a:endParaRPr lang="zh-CN" altLang="en-US"/>
           </a:p>
@@ -2082,10 +2082,9 @@
           </a:lstStyle>
           <a:p>
             <a:r>
-              <a:rPr lang="zh-CN" altLang="en-US" smtClean="0"/>
+              <a:rPr lang="zh-CN" altLang="en-US"/>
               <a:t>单击此处编辑母版标题样式</a:t>
             </a:r>
-            <a:endParaRPr lang="zh-CN" altLang="en-US"/>
           </a:p>
         </p:txBody>
       </p:sp>
@@ -2139,38 +2138,37 @@
           <a:p>
             <a:pPr lvl="0"/>
             <a:r>
-              <a:rPr lang="zh-CN" altLang="en-US" smtClean="0"/>
+              <a:rPr lang="zh-CN" altLang="en-US"/>
               <a:t>单击此处编辑母版文本样式</a:t>
             </a:r>
           </a:p>
           <a:p>
             <a:pPr lvl="1"/>
             <a:r>
-              <a:rPr lang="zh-CN" altLang="en-US" smtClean="0"/>
+              <a:rPr lang="zh-CN" altLang="en-US"/>
               <a:t>第二级</a:t>
             </a:r>
           </a:p>
           <a:p>
             <a:pPr lvl="2"/>
             <a:r>
-              <a:rPr lang="zh-CN" altLang="en-US" smtClean="0"/>
+              <a:rPr lang="zh-CN" altLang="en-US"/>
               <a:t>第三级</a:t>
             </a:r>
           </a:p>
           <a:p>
             <a:pPr lvl="3"/>
             <a:r>
-              <a:rPr lang="zh-CN" altLang="en-US" smtClean="0"/>
+              <a:rPr lang="zh-CN" altLang="en-US"/>
               <a:t>第四级</a:t>
             </a:r>
           </a:p>
           <a:p>
             <a:pPr lvl="4"/>
             <a:r>
-              <a:rPr lang="zh-CN" altLang="en-US" smtClean="0"/>
+              <a:rPr lang="zh-CN" altLang="en-US"/>
               <a:t>第五级</a:t>
             </a:r>
-            <a:endParaRPr lang="zh-CN" altLang="en-US"/>
           </a:p>
         </p:txBody>
       </p:sp>
@@ -2233,7 +2231,7 @@
           <a:p>
             <a:pPr lvl="0"/>
             <a:r>
-              <a:rPr lang="zh-CN" altLang="en-US" smtClean="0"/>
+              <a:rPr lang="zh-CN" altLang="en-US"/>
               <a:t>单击此处编辑母版文本样式</a:t>
             </a:r>
           </a:p>
@@ -2256,7 +2254,7 @@
           <a:p>
             <a:fld id="{D997B5FA-0921-464F-AAE1-844C04324D75}" type="datetimeFigureOut">
               <a:rPr lang="zh-CN" altLang="en-US" smtClean="0"/>
-              <a:t>2017/1/15</a:t>
+              <a:t>2019/1/13</a:t>
             </a:fld>
             <a:endParaRPr lang="zh-CN" altLang="en-US"/>
           </a:p>
@@ -2359,10 +2357,9 @@
           </a:lstStyle>
           <a:p>
             <a:r>
-              <a:rPr lang="zh-CN" altLang="en-US" smtClean="0"/>
+              <a:rPr lang="zh-CN" altLang="en-US"/>
               <a:t>单击此处编辑母版标题样式</a:t>
             </a:r>
-            <a:endParaRPr lang="zh-CN" altLang="en-US"/>
           </a:p>
         </p:txBody>
       </p:sp>
@@ -2486,7 +2483,7 @@
           <a:p>
             <a:pPr lvl="0"/>
             <a:r>
-              <a:rPr lang="zh-CN" altLang="en-US" smtClean="0"/>
+              <a:rPr lang="zh-CN" altLang="en-US"/>
               <a:t>单击此处编辑母版文本样式</a:t>
             </a:r>
           </a:p>
@@ -2509,7 +2506,7 @@
           <a:p>
             <a:fld id="{D997B5FA-0921-464F-AAE1-844C04324D75}" type="datetimeFigureOut">
               <a:rPr lang="zh-CN" altLang="en-US" smtClean="0"/>
-              <a:t>2017/1/15</a:t>
+              <a:t>2019/1/13</a:t>
             </a:fld>
             <a:endParaRPr lang="zh-CN" altLang="en-US"/>
           </a:p>
@@ -2618,10 +2615,9 @@
           <a:lstStyle/>
           <a:p>
             <a:r>
-              <a:rPr lang="zh-CN" altLang="en-US" smtClean="0"/>
+              <a:rPr lang="zh-CN" altLang="en-US"/>
               <a:t>单击此处编辑母版标题样式</a:t>
             </a:r>
-            <a:endParaRPr lang="zh-CN" altLang="en-US"/>
           </a:p>
         </p:txBody>
       </p:sp>
@@ -2652,38 +2648,37 @@
           <a:p>
             <a:pPr lvl="0"/>
             <a:r>
-              <a:rPr lang="zh-CN" altLang="en-US" smtClean="0"/>
+              <a:rPr lang="zh-CN" altLang="en-US"/>
               <a:t>单击此处编辑母版文本样式</a:t>
             </a:r>
           </a:p>
           <a:p>
             <a:pPr lvl="1"/>
             <a:r>
-              <a:rPr lang="zh-CN" altLang="en-US" smtClean="0"/>
+              <a:rPr lang="zh-CN" altLang="en-US"/>
               <a:t>第二级</a:t>
             </a:r>
           </a:p>
           <a:p>
             <a:pPr lvl="2"/>
             <a:r>
-              <a:rPr lang="zh-CN" altLang="en-US" smtClean="0"/>
+              <a:rPr lang="zh-CN" altLang="en-US"/>
               <a:t>第三级</a:t>
             </a:r>
           </a:p>
           <a:p>
             <a:pPr lvl="3"/>
             <a:r>
-              <a:rPr lang="zh-CN" altLang="en-US" smtClean="0"/>
+              <a:rPr lang="zh-CN" altLang="en-US"/>
               <a:t>第四级</a:t>
             </a:r>
           </a:p>
           <a:p>
             <a:pPr lvl="4"/>
             <a:r>
-              <a:rPr lang="zh-CN" altLang="en-US" smtClean="0"/>
+              <a:rPr lang="zh-CN" altLang="en-US"/>
               <a:t>第五级</a:t>
             </a:r>
-            <a:endParaRPr lang="zh-CN" altLang="en-US"/>
           </a:p>
         </p:txBody>
       </p:sp>
@@ -2722,7 +2717,7 @@
           <a:p>
             <a:fld id="{D997B5FA-0921-464F-AAE1-844C04324D75}" type="datetimeFigureOut">
               <a:rPr lang="zh-CN" altLang="en-US" smtClean="0"/>
-              <a:t>2017/1/15</a:t>
+              <a:t>2019/1/13</a:t>
             </a:fld>
             <a:endParaRPr lang="zh-CN" altLang="en-US"/>
           </a:p>
@@ -3396,7 +3391,7 @@
           <a:lstStyle/>
           <a:p>
             <a:r>
-              <a:rPr lang="en-US" altLang="zh-CN" b="1" dirty="0" smtClean="0"/>
+              <a:rPr lang="en-US" altLang="zh-CN" b="1" dirty="0"/>
               <a:t>Lung segmentation</a:t>
             </a:r>
             <a:endParaRPr lang="zh-CN" altLang="en-US" b="1" dirty="0"/>
@@ -3473,7 +3468,7 @@
           <a:lstStyle/>
           <a:p>
             <a:r>
-              <a:rPr lang="en-US" altLang="zh-CN" b="1" dirty="0" smtClean="0"/>
+              <a:rPr lang="en-US" altLang="zh-CN" b="1" dirty="0"/>
               <a:t>Initial fissure prediction</a:t>
             </a:r>
             <a:endParaRPr lang="zh-CN" altLang="en-US" b="1" dirty="0"/>
@@ -3490,8 +3485,8 @@
         </p:nvSpPr>
         <p:spPr bwMode="auto">
           <a:xfrm>
-            <a:off x="6367063" y="2455882"/>
-            <a:ext cx="1324534" cy="369332"/>
+            <a:off x="6305561" y="1640357"/>
+            <a:ext cx="1470407" cy="646331"/>
           </a:xfrm>
           <a:prstGeom prst="rect">
             <a:avLst/>
@@ -3527,7 +3522,113 @@
           <a:p>
             <a:r>
               <a:rPr lang="en-US" altLang="zh-CN" dirty="0"/>
-              <a:t>Lung SSM</a:t>
+              <a:t>Lung mesh of a new subject</a:t>
+            </a:r>
+            <a:endParaRPr lang="zh-CN" altLang="en-US" dirty="0"/>
+          </a:p>
+        </p:txBody>
+      </p:sp>
+      <p:sp>
+        <p:nvSpPr>
+          <p:cNvPr id="23" name="TextBox 2"/>
+          <p:cNvSpPr txBox="1">
+            <a:spLocks noChangeArrowheads="1"/>
+          </p:cNvSpPr>
+          <p:nvPr/>
+        </p:nvSpPr>
+        <p:spPr bwMode="auto">
+          <a:xfrm>
+            <a:off x="6305561" y="2639460"/>
+            <a:ext cx="1470407" cy="1200329"/>
+          </a:xfrm>
+          <a:prstGeom prst="rect">
+            <a:avLst/>
+          </a:prstGeom>
+          <a:noFill/>
+          <a:ln w="9525">
+            <a:solidFill>
+              <a:schemeClr val="tx1"/>
+            </a:solidFill>
+            <a:miter lim="800000"/>
+            <a:headEnd/>
+            <a:tailEnd/>
+          </a:ln>
+          <a:extLst>
+            <a:ext uri="{909E8E84-426E-40DD-AFC4-6F175D3DCCD1}">
+              <a14:hiddenFill xmlns:a14="http://schemas.microsoft.com/office/drawing/2010/main">
+                <a:solidFill>
+                  <a:srgbClr val="FFFFFF"/>
+                </a:solidFill>
+              </a14:hiddenFill>
+            </a:ext>
+          </a:extLst>
+        </p:spPr>
+        <p:txBody>
+          <a:bodyPr wrap="square">
+            <a:spAutoFit/>
+          </a:bodyPr>
+          <a:lstStyle>
+            <a:defPPr>
+              <a:defRPr lang="zh-CN"/>
+            </a:defPPr>
+          </a:lstStyle>
+          <a:p>
+            <a:r>
+              <a:rPr lang="en-US" altLang="zh-CN" dirty="0"/>
+              <a:t>Lung shape model weight of new subject</a:t>
+            </a:r>
+            <a:endParaRPr lang="zh-CN" altLang="en-US" dirty="0"/>
+          </a:p>
+        </p:txBody>
+      </p:sp>
+      <p:sp>
+        <p:nvSpPr>
+          <p:cNvPr id="24" name="TextBox 2"/>
+          <p:cNvSpPr txBox="1">
+            <a:spLocks noChangeArrowheads="1"/>
+          </p:cNvSpPr>
+          <p:nvPr/>
+        </p:nvSpPr>
+        <p:spPr bwMode="auto">
+          <a:xfrm>
+            <a:off x="4437074" y="2756525"/>
+            <a:ext cx="1463030" cy="646331"/>
+          </a:xfrm>
+          <a:prstGeom prst="rect">
+            <a:avLst/>
+          </a:prstGeom>
+          <a:noFill/>
+          <a:ln w="9525">
+            <a:solidFill>
+              <a:schemeClr val="tx1"/>
+            </a:solidFill>
+            <a:miter lim="800000"/>
+            <a:headEnd/>
+            <a:tailEnd/>
+          </a:ln>
+          <a:extLst>
+            <a:ext uri="{909E8E84-426E-40DD-AFC4-6F175D3DCCD1}">
+              <a14:hiddenFill xmlns:a14="http://schemas.microsoft.com/office/drawing/2010/main">
+                <a:solidFill>
+                  <a:srgbClr val="FFFFFF"/>
+                </a:solidFill>
+              </a14:hiddenFill>
+            </a:ext>
+          </a:extLst>
+        </p:spPr>
+        <p:txBody>
+          <a:bodyPr wrap="square">
+            <a:spAutoFit/>
+          </a:bodyPr>
+          <a:lstStyle>
+            <a:defPPr>
+              <a:defRPr lang="zh-CN"/>
+            </a:defPPr>
+          </a:lstStyle>
+          <a:p>
+            <a:r>
+              <a:rPr lang="en-US" altLang="zh-CN" dirty="0"/>
+              <a:t>Lung average SSM</a:t>
             </a:r>
             <a:endParaRPr lang="zh-CN" altLang="en-US" dirty="0"/>
           </a:p>
@@ -3535,14 +3636,17 @@
       </p:sp>
       <p:cxnSp>
         <p:nvCxnSpPr>
-          <p:cNvPr id="22" name="直接箭头连接符 4"/>
-          <p:cNvCxnSpPr/>
+          <p:cNvPr id="25" name="直接箭头连接符 4"/>
+          <p:cNvCxnSpPr>
+            <a:cxnSpLocks/>
+            <a:stCxn id="32" idx="3"/>
+          </p:cNvCxnSpPr>
           <p:nvPr/>
         </p:nvCxnSpPr>
         <p:spPr>
-          <a:xfrm>
-            <a:off x="6981724" y="2063331"/>
-            <a:ext cx="0" cy="432048"/>
+          <a:xfrm flipV="1">
+            <a:off x="5815900" y="1971111"/>
+            <a:ext cx="522759" cy="584"/>
           </a:xfrm>
           <a:prstGeom prst="straightConnector1">
             <a:avLst/>
@@ -3571,7 +3675,7 @@
       </p:cxnSp>
       <p:sp>
         <p:nvSpPr>
-          <p:cNvPr id="23" name="TextBox 2"/>
+          <p:cNvPr id="26" name="TextBox 2"/>
           <p:cNvSpPr txBox="1">
             <a:spLocks noChangeArrowheads="1"/>
           </p:cNvSpPr>
@@ -3579,17 +3683,15 @@
         </p:nvSpPr>
         <p:spPr bwMode="auto">
           <a:xfrm>
-            <a:off x="6210973" y="3261546"/>
-            <a:ext cx="1659587" cy="369332"/>
+            <a:off x="5815900" y="1610295"/>
+            <a:ext cx="1333500" cy="338554"/>
           </a:xfrm>
           <a:prstGeom prst="rect">
             <a:avLst/>
           </a:prstGeom>
           <a:noFill/>
           <a:ln w="9525">
-            <a:solidFill>
-              <a:schemeClr val="tx1"/>
-            </a:solidFill>
+            <a:noFill/>
             <a:miter lim="800000"/>
             <a:headEnd/>
             <a:tailEnd/>
@@ -3615,41 +3717,32 @@
           </a:lstStyle>
           <a:p>
             <a:r>
-              <a:rPr lang="en-US" altLang="zh-CN" dirty="0"/>
-              <a:t>mode </a:t>
-            </a:r>
-            <a:r>
-              <a:rPr lang="en-US" altLang="zh-CN" dirty="0"/>
-              <a:t>weights</a:t>
-            </a:r>
-            <a:endParaRPr lang="zh-CN" altLang="en-US" dirty="0"/>
-          </a:p>
-        </p:txBody>
-      </p:sp>
-      <p:sp>
-        <p:nvSpPr>
-          <p:cNvPr id="24" name="TextBox 2"/>
+              <a:rPr lang="en-US" altLang="zh-CN" sz="1600" dirty="0"/>
+              <a:t>Map</a:t>
+            </a:r>
+            <a:endParaRPr lang="zh-CN" altLang="en-US" sz="1600" dirty="0"/>
+          </a:p>
+        </p:txBody>
+      </p:sp>
+      <p:sp>
+        <p:nvSpPr>
+          <p:cNvPr id="28" name="TextBox 2"/>
           <p:cNvSpPr txBox="1">
             <a:spLocks noChangeArrowheads="1"/>
           </p:cNvSpPr>
           <p:nvPr/>
         </p:nvSpPr>
         <p:spPr bwMode="auto">
-          <a:xfrm>
-            <a:off x="4418476" y="2317383"/>
-            <a:ext cx="1287556" cy="646331"/>
+          <a:xfrm rot="20457876">
+            <a:off x="5277430" y="3501537"/>
+            <a:ext cx="817563" cy="338554"/>
           </a:xfrm>
           <a:prstGeom prst="rect">
             <a:avLst/>
           </a:prstGeom>
           <a:noFill/>
-          <a:ln w="9525">
-            <a:solidFill>
-              <a:schemeClr val="tx1"/>
-            </a:solidFill>
-            <a:miter lim="800000"/>
-            <a:headEnd/>
-            <a:tailEnd/>
+          <a:ln>
+            <a:noFill/>
           </a:ln>
           <a:extLst>
             <a:ext uri="{909E8E84-426E-40DD-AFC4-6F175D3DCCD1}">
@@ -3659,36 +3752,157 @@
                 </a:solidFill>
               </a14:hiddenFill>
             </a:ext>
+            <a:ext uri="{91240B29-F687-4F45-9708-019B960494DF}">
+              <a14:hiddenLine xmlns:a14="http://schemas.microsoft.com/office/drawing/2010/main" w="9525">
+                <a:solidFill>
+                  <a:srgbClr val="000000"/>
+                </a:solidFill>
+                <a:miter lim="800000"/>
+                <a:headEnd/>
+                <a:tailEnd/>
+              </a14:hiddenLine>
+            </a:ext>
           </a:extLst>
         </p:spPr>
         <p:txBody>
-          <a:bodyPr wrap="square">
+          <a:bodyPr>
             <a:spAutoFit/>
           </a:bodyPr>
           <a:lstStyle>
-            <a:defPPr>
-              <a:defRPr lang="zh-CN"/>
-            </a:defPPr>
+            <a:lvl1pPr eaLnBrk="0" hangingPunct="0">
+              <a:defRPr>
+                <a:solidFill>
+                  <a:schemeClr val="tx1"/>
+                </a:solidFill>
+                <a:latin typeface="Arial" charset="0"/>
+                <a:ea typeface="宋体" charset="-122"/>
+              </a:defRPr>
+            </a:lvl1pPr>
+            <a:lvl2pPr marL="742950" indent="-285750" eaLnBrk="0" hangingPunct="0">
+              <a:defRPr>
+                <a:solidFill>
+                  <a:schemeClr val="tx1"/>
+                </a:solidFill>
+                <a:latin typeface="Arial" charset="0"/>
+                <a:ea typeface="宋体" charset="-122"/>
+              </a:defRPr>
+            </a:lvl2pPr>
+            <a:lvl3pPr marL="1143000" indent="-228600" eaLnBrk="0" hangingPunct="0">
+              <a:defRPr>
+                <a:solidFill>
+                  <a:schemeClr val="tx1"/>
+                </a:solidFill>
+                <a:latin typeface="Arial" charset="0"/>
+                <a:ea typeface="宋体" charset="-122"/>
+              </a:defRPr>
+            </a:lvl3pPr>
+            <a:lvl4pPr marL="1600200" indent="-228600" eaLnBrk="0" hangingPunct="0">
+              <a:defRPr>
+                <a:solidFill>
+                  <a:schemeClr val="tx1"/>
+                </a:solidFill>
+                <a:latin typeface="Arial" charset="0"/>
+                <a:ea typeface="宋体" charset="-122"/>
+              </a:defRPr>
+            </a:lvl4pPr>
+            <a:lvl5pPr marL="2057400" indent="-228600" eaLnBrk="0" hangingPunct="0">
+              <a:defRPr>
+                <a:solidFill>
+                  <a:schemeClr val="tx1"/>
+                </a:solidFill>
+                <a:latin typeface="Arial" charset="0"/>
+                <a:ea typeface="宋体" charset="-122"/>
+              </a:defRPr>
+            </a:lvl5pPr>
+            <a:lvl6pPr marL="2514600" indent="-228600" eaLnBrk="0" fontAlgn="base" hangingPunct="0">
+              <a:spcBef>
+                <a:spcPct val="0"/>
+              </a:spcBef>
+              <a:spcAft>
+                <a:spcPct val="0"/>
+              </a:spcAft>
+              <a:defRPr>
+                <a:solidFill>
+                  <a:schemeClr val="tx1"/>
+                </a:solidFill>
+                <a:latin typeface="Arial" charset="0"/>
+                <a:ea typeface="宋体" charset="-122"/>
+              </a:defRPr>
+            </a:lvl6pPr>
+            <a:lvl7pPr marL="2971800" indent="-228600" eaLnBrk="0" fontAlgn="base" hangingPunct="0">
+              <a:spcBef>
+                <a:spcPct val="0"/>
+              </a:spcBef>
+              <a:spcAft>
+                <a:spcPct val="0"/>
+              </a:spcAft>
+              <a:defRPr>
+                <a:solidFill>
+                  <a:schemeClr val="tx1"/>
+                </a:solidFill>
+                <a:latin typeface="Arial" charset="0"/>
+                <a:ea typeface="宋体" charset="-122"/>
+              </a:defRPr>
+            </a:lvl7pPr>
+            <a:lvl8pPr marL="3429000" indent="-228600" eaLnBrk="0" fontAlgn="base" hangingPunct="0">
+              <a:spcBef>
+                <a:spcPct val="0"/>
+              </a:spcBef>
+              <a:spcAft>
+                <a:spcPct val="0"/>
+              </a:spcAft>
+              <a:defRPr>
+                <a:solidFill>
+                  <a:schemeClr val="tx1"/>
+                </a:solidFill>
+                <a:latin typeface="Arial" charset="0"/>
+                <a:ea typeface="宋体" charset="-122"/>
+              </a:defRPr>
+            </a:lvl8pPr>
+            <a:lvl9pPr marL="3886200" indent="-228600" eaLnBrk="0" fontAlgn="base" hangingPunct="0">
+              <a:spcBef>
+                <a:spcPct val="0"/>
+              </a:spcBef>
+              <a:spcAft>
+                <a:spcPct val="0"/>
+              </a:spcAft>
+              <a:defRPr>
+                <a:solidFill>
+                  <a:schemeClr val="tx1"/>
+                </a:solidFill>
+                <a:latin typeface="Arial" charset="0"/>
+                <a:ea typeface="宋体" charset="-122"/>
+              </a:defRPr>
+            </a:lvl9pPr>
           </a:lstStyle>
           <a:p>
-            <a:r>
-              <a:rPr lang="en-US" altLang="zh-CN" dirty="0"/>
-              <a:t>Separate lung mesh</a:t>
-            </a:r>
-            <a:endParaRPr lang="zh-CN" altLang="en-US" dirty="0"/>
+            <a:pPr eaLnBrk="1" hangingPunct="1"/>
+            <a:r>
+              <a:rPr lang="en-US" altLang="zh-CN" sz="1600" dirty="0">
+                <a:latin typeface="+mn-lt"/>
+                <a:ea typeface="+mn-ea"/>
+              </a:rPr>
+              <a:t>Input</a:t>
+            </a:r>
+            <a:endParaRPr lang="zh-CN" altLang="en-US" sz="1600" dirty="0">
+              <a:latin typeface="+mn-lt"/>
+              <a:ea typeface="+mn-ea"/>
+            </a:endParaRPr>
           </a:p>
         </p:txBody>
       </p:sp>
       <p:cxnSp>
         <p:nvCxnSpPr>
-          <p:cNvPr id="25" name="直接箭头连接符 4"/>
-          <p:cNvCxnSpPr/>
+          <p:cNvPr id="29" name="直接箭头连接符 4"/>
+          <p:cNvCxnSpPr>
+            <a:cxnSpLocks/>
+          </p:cNvCxnSpPr>
           <p:nvPr/>
         </p:nvCxnSpPr>
         <p:spPr>
-          <a:xfrm flipV="1">
-            <a:off x="5706032" y="2645071"/>
-            <a:ext cx="622300" cy="3082"/>
+          <a:xfrm flipH="1">
+            <a:off x="7039992" y="3846785"/>
+            <a:ext cx="772" cy="343475"/>
           </a:xfrm>
           <a:prstGeom prst="straightConnector1">
             <a:avLst/>
@@ -3717,7 +3931,7 @@
       </p:cxnSp>
       <p:sp>
         <p:nvSpPr>
-          <p:cNvPr id="26" name="TextBox 2"/>
+          <p:cNvPr id="30" name="TextBox 2"/>
           <p:cNvSpPr txBox="1">
             <a:spLocks noChangeArrowheads="1"/>
           </p:cNvSpPr>
@@ -3725,59 +3939,8 @@
         </p:nvSpPr>
         <p:spPr bwMode="auto">
           <a:xfrm>
-            <a:off x="5759704" y="2253752"/>
-            <a:ext cx="1333500" cy="368300"/>
-          </a:xfrm>
-          <a:prstGeom prst="rect">
-            <a:avLst/>
-          </a:prstGeom>
-          <a:noFill/>
-          <a:ln w="9525">
-            <a:noFill/>
-            <a:miter lim="800000"/>
-            <a:headEnd/>
-            <a:tailEnd/>
-          </a:ln>
-          <a:extLst>
-            <a:ext uri="{909E8E84-426E-40DD-AFC4-6F175D3DCCD1}">
-              <a14:hiddenFill xmlns:a14="http://schemas.microsoft.com/office/drawing/2010/main">
-                <a:solidFill>
-                  <a:srgbClr val="FFFFFF"/>
-                </a:solidFill>
-              </a14:hiddenFill>
-            </a:ext>
-          </a:extLst>
-        </p:spPr>
-        <p:txBody>
-          <a:bodyPr wrap="square">
-            <a:spAutoFit/>
-          </a:bodyPr>
-          <a:lstStyle>
-            <a:defPPr>
-              <a:defRPr lang="zh-CN"/>
-            </a:defPPr>
-          </a:lstStyle>
-          <a:p>
-            <a:r>
-              <a:rPr lang="en-US" altLang="zh-CN" dirty="0"/>
-              <a:t>Map</a:t>
-            </a:r>
-            <a:endParaRPr lang="zh-CN" altLang="en-US" dirty="0"/>
-          </a:p>
-        </p:txBody>
-      </p:sp>
-      <p:sp>
-        <p:nvSpPr>
-          <p:cNvPr id="27" name="TextBox 2"/>
-          <p:cNvSpPr txBox="1">
-            <a:spLocks noChangeArrowheads="1"/>
-          </p:cNvSpPr>
-          <p:nvPr/>
-        </p:nvSpPr>
-        <p:spPr bwMode="auto">
-          <a:xfrm>
-            <a:off x="6322851" y="4087022"/>
-            <a:ext cx="1549326" cy="369332"/>
+            <a:off x="6346323" y="4192561"/>
+            <a:ext cx="1470408" cy="1200329"/>
           </a:xfrm>
           <a:prstGeom prst="rect">
             <a:avLst/>
@@ -3813,7 +3976,7 @@
           <a:p>
             <a:r>
               <a:rPr lang="en-US" altLang="zh-CN" dirty="0"/>
-              <a:t>Lobar SSM</a:t>
+              <a:t>Predicted lobe mesh of the new subject</a:t>
             </a:r>
             <a:endParaRPr lang="zh-CN" altLang="en-US" dirty="0"/>
           </a:p>
@@ -3821,7 +3984,7 @@
       </p:sp>
       <p:sp>
         <p:nvSpPr>
-          <p:cNvPr id="28" name="TextBox 2"/>
+          <p:cNvPr id="32" name="TextBox 2"/>
           <p:cNvSpPr txBox="1">
             <a:spLocks noChangeArrowheads="1"/>
           </p:cNvSpPr>
@@ -3829,211 +3992,8 @@
         </p:nvSpPr>
         <p:spPr bwMode="auto">
           <a:xfrm>
-            <a:off x="6909716" y="3647507"/>
-            <a:ext cx="817563" cy="368300"/>
-          </a:xfrm>
-          <a:prstGeom prst="rect">
-            <a:avLst/>
-          </a:prstGeom>
-          <a:noFill/>
-          <a:ln>
-            <a:noFill/>
-          </a:ln>
-          <a:extLst>
-            <a:ext uri="{909E8E84-426E-40DD-AFC4-6F175D3DCCD1}">
-              <a14:hiddenFill xmlns:a14="http://schemas.microsoft.com/office/drawing/2010/main">
-                <a:solidFill>
-                  <a:srgbClr val="FFFFFF"/>
-                </a:solidFill>
-              </a14:hiddenFill>
-            </a:ext>
-            <a:ext uri="{91240B29-F687-4F45-9708-019B960494DF}">
-              <a14:hiddenLine xmlns:a14="http://schemas.microsoft.com/office/drawing/2010/main" w="9525">
-                <a:solidFill>
-                  <a:srgbClr val="000000"/>
-                </a:solidFill>
-                <a:miter lim="800000"/>
-                <a:headEnd/>
-                <a:tailEnd/>
-              </a14:hiddenLine>
-            </a:ext>
-          </a:extLst>
-        </p:spPr>
-        <p:txBody>
-          <a:bodyPr>
-            <a:spAutoFit/>
-          </a:bodyPr>
-          <a:lstStyle>
-            <a:lvl1pPr eaLnBrk="0" hangingPunct="0">
-              <a:defRPr>
-                <a:solidFill>
-                  <a:schemeClr val="tx1"/>
-                </a:solidFill>
-                <a:latin typeface="Arial" charset="0"/>
-                <a:ea typeface="宋体" charset="-122"/>
-              </a:defRPr>
-            </a:lvl1pPr>
-            <a:lvl2pPr marL="742950" indent="-285750" eaLnBrk="0" hangingPunct="0">
-              <a:defRPr>
-                <a:solidFill>
-                  <a:schemeClr val="tx1"/>
-                </a:solidFill>
-                <a:latin typeface="Arial" charset="0"/>
-                <a:ea typeface="宋体" charset="-122"/>
-              </a:defRPr>
-            </a:lvl2pPr>
-            <a:lvl3pPr marL="1143000" indent="-228600" eaLnBrk="0" hangingPunct="0">
-              <a:defRPr>
-                <a:solidFill>
-                  <a:schemeClr val="tx1"/>
-                </a:solidFill>
-                <a:latin typeface="Arial" charset="0"/>
-                <a:ea typeface="宋体" charset="-122"/>
-              </a:defRPr>
-            </a:lvl3pPr>
-            <a:lvl4pPr marL="1600200" indent="-228600" eaLnBrk="0" hangingPunct="0">
-              <a:defRPr>
-                <a:solidFill>
-                  <a:schemeClr val="tx1"/>
-                </a:solidFill>
-                <a:latin typeface="Arial" charset="0"/>
-                <a:ea typeface="宋体" charset="-122"/>
-              </a:defRPr>
-            </a:lvl4pPr>
-            <a:lvl5pPr marL="2057400" indent="-228600" eaLnBrk="0" hangingPunct="0">
-              <a:defRPr>
-                <a:solidFill>
-                  <a:schemeClr val="tx1"/>
-                </a:solidFill>
-                <a:latin typeface="Arial" charset="0"/>
-                <a:ea typeface="宋体" charset="-122"/>
-              </a:defRPr>
-            </a:lvl5pPr>
-            <a:lvl6pPr marL="2514600" indent="-228600" eaLnBrk="0" fontAlgn="base" hangingPunct="0">
-              <a:spcBef>
-                <a:spcPct val="0"/>
-              </a:spcBef>
-              <a:spcAft>
-                <a:spcPct val="0"/>
-              </a:spcAft>
-              <a:defRPr>
-                <a:solidFill>
-                  <a:schemeClr val="tx1"/>
-                </a:solidFill>
-                <a:latin typeface="Arial" charset="0"/>
-                <a:ea typeface="宋体" charset="-122"/>
-              </a:defRPr>
-            </a:lvl6pPr>
-            <a:lvl7pPr marL="2971800" indent="-228600" eaLnBrk="0" fontAlgn="base" hangingPunct="0">
-              <a:spcBef>
-                <a:spcPct val="0"/>
-              </a:spcBef>
-              <a:spcAft>
-                <a:spcPct val="0"/>
-              </a:spcAft>
-              <a:defRPr>
-                <a:solidFill>
-                  <a:schemeClr val="tx1"/>
-                </a:solidFill>
-                <a:latin typeface="Arial" charset="0"/>
-                <a:ea typeface="宋体" charset="-122"/>
-              </a:defRPr>
-            </a:lvl7pPr>
-            <a:lvl8pPr marL="3429000" indent="-228600" eaLnBrk="0" fontAlgn="base" hangingPunct="0">
-              <a:spcBef>
-                <a:spcPct val="0"/>
-              </a:spcBef>
-              <a:spcAft>
-                <a:spcPct val="0"/>
-              </a:spcAft>
-              <a:defRPr>
-                <a:solidFill>
-                  <a:schemeClr val="tx1"/>
-                </a:solidFill>
-                <a:latin typeface="Arial" charset="0"/>
-                <a:ea typeface="宋体" charset="-122"/>
-              </a:defRPr>
-            </a:lvl8pPr>
-            <a:lvl9pPr marL="3886200" indent="-228600" eaLnBrk="0" fontAlgn="base" hangingPunct="0">
-              <a:spcBef>
-                <a:spcPct val="0"/>
-              </a:spcBef>
-              <a:spcAft>
-                <a:spcPct val="0"/>
-              </a:spcAft>
-              <a:defRPr>
-                <a:solidFill>
-                  <a:schemeClr val="tx1"/>
-                </a:solidFill>
-                <a:latin typeface="Arial" charset="0"/>
-                <a:ea typeface="宋体" charset="-122"/>
-              </a:defRPr>
-            </a:lvl9pPr>
-          </a:lstStyle>
-          <a:p>
-            <a:pPr eaLnBrk="1" hangingPunct="1"/>
-            <a:r>
-              <a:rPr lang="en-US" altLang="zh-CN" dirty="0">
-                <a:latin typeface="+mn-lt"/>
-                <a:ea typeface="+mn-ea"/>
-              </a:rPr>
-              <a:t>Input</a:t>
-            </a:r>
-            <a:endParaRPr lang="zh-CN" altLang="en-US" dirty="0">
-              <a:latin typeface="+mn-lt"/>
-              <a:ea typeface="+mn-ea"/>
-            </a:endParaRPr>
-          </a:p>
-        </p:txBody>
-      </p:sp>
-      <p:cxnSp>
-        <p:nvCxnSpPr>
-          <p:cNvPr id="29" name="直接箭头连接符 4"/>
-          <p:cNvCxnSpPr/>
-          <p:nvPr/>
-        </p:nvCxnSpPr>
-        <p:spPr>
-          <a:xfrm>
-            <a:off x="6970612" y="3630878"/>
-            <a:ext cx="0" cy="463342"/>
-          </a:xfrm>
-          <a:prstGeom prst="straightConnector1">
-            <a:avLst/>
-          </a:prstGeom>
-          <a:ln w="15875">
-            <a:solidFill>
-              <a:schemeClr val="tx1"/>
-            </a:solidFill>
-            <a:tailEnd type="arrow"/>
-          </a:ln>
-        </p:spPr>
-        <p:style>
-          <a:lnRef idx="1">
-            <a:schemeClr val="accent1"/>
-          </a:lnRef>
-          <a:fillRef idx="0">
-            <a:schemeClr val="accent1"/>
-          </a:fillRef>
-          <a:effectRef idx="0">
-            <a:schemeClr val="accent1"/>
-          </a:effectRef>
-          <a:fontRef idx="minor">
-            <a:schemeClr val="tx1"/>
-          </a:fontRef>
-        </p:style>
-      </p:cxnSp>
-      <p:sp>
-        <p:nvSpPr>
-          <p:cNvPr id="30" name="TextBox 2"/>
-          <p:cNvSpPr txBox="1">
-            <a:spLocks noChangeArrowheads="1"/>
-          </p:cNvSpPr>
-          <p:nvPr/>
-        </p:nvSpPr>
-        <p:spPr bwMode="auto">
-          <a:xfrm>
-            <a:off x="6135452" y="4882370"/>
-            <a:ext cx="1736725" cy="646113"/>
+            <a:off x="4457135" y="1510030"/>
+            <a:ext cx="1358765" cy="923330"/>
           </a:xfrm>
           <a:prstGeom prst="rect">
             <a:avLst/>
@@ -4068,127 +4028,26 @@
           </a:lstStyle>
           <a:p>
             <a:r>
-              <a:rPr lang="en-US" altLang="zh-CN"/>
-              <a:t>Deformed PCA lobe model</a:t>
-            </a:r>
-            <a:endParaRPr lang="zh-CN" altLang="en-US"/>
-          </a:p>
-        </p:txBody>
-      </p:sp>
-      <p:sp>
-        <p:nvSpPr>
-          <p:cNvPr id="31" name="TextBox 2"/>
-          <p:cNvSpPr txBox="1">
-            <a:spLocks noChangeArrowheads="1"/>
-          </p:cNvSpPr>
-          <p:nvPr/>
-        </p:nvSpPr>
-        <p:spPr bwMode="auto">
-          <a:xfrm>
-            <a:off x="6909716" y="4510279"/>
-            <a:ext cx="987425" cy="369887"/>
-          </a:xfrm>
-          <a:prstGeom prst="rect">
-            <a:avLst/>
-          </a:prstGeom>
-          <a:noFill/>
-          <a:ln w="9525">
-            <a:noFill/>
-            <a:miter lim="800000"/>
-            <a:headEnd/>
-            <a:tailEnd/>
-          </a:ln>
-          <a:extLst>
-            <a:ext uri="{909E8E84-426E-40DD-AFC4-6F175D3DCCD1}">
-              <a14:hiddenFill xmlns:a14="http://schemas.microsoft.com/office/drawing/2010/main">
-                <a:solidFill>
-                  <a:srgbClr val="FFFFFF"/>
-                </a:solidFill>
-              </a14:hiddenFill>
-            </a:ext>
-          </a:extLst>
-        </p:spPr>
-        <p:txBody>
-          <a:bodyPr wrap="square">
-            <a:spAutoFit/>
-          </a:bodyPr>
-          <a:lstStyle>
-            <a:defPPr>
-              <a:defRPr lang="zh-CN"/>
-            </a:defPPr>
-          </a:lstStyle>
-          <a:p>
-            <a:r>
               <a:rPr lang="en-US" altLang="zh-CN" dirty="0"/>
-              <a:t>Deform</a:t>
+              <a:t>A set of training lobe meshes</a:t>
             </a:r>
             <a:endParaRPr lang="zh-CN" altLang="en-US" dirty="0"/>
-          </a:p>
-        </p:txBody>
-      </p:sp>
-      <p:sp>
-        <p:nvSpPr>
-          <p:cNvPr id="32" name="TextBox 2"/>
-          <p:cNvSpPr txBox="1">
-            <a:spLocks noChangeArrowheads="1"/>
-          </p:cNvSpPr>
-          <p:nvPr/>
-        </p:nvSpPr>
-        <p:spPr bwMode="auto">
-          <a:xfrm>
-            <a:off x="6316032" y="1421386"/>
-            <a:ext cx="1375566" cy="647700"/>
-          </a:xfrm>
-          <a:prstGeom prst="rect">
-            <a:avLst/>
-          </a:prstGeom>
-          <a:noFill/>
-          <a:ln w="9525">
-            <a:solidFill>
-              <a:schemeClr val="tx1"/>
-            </a:solidFill>
-            <a:miter lim="800000"/>
-            <a:headEnd/>
-            <a:tailEnd/>
-          </a:ln>
-          <a:extLst>
-            <a:ext uri="{909E8E84-426E-40DD-AFC4-6F175D3DCCD1}">
-              <a14:hiddenFill xmlns:a14="http://schemas.microsoft.com/office/drawing/2010/main">
-                <a:solidFill>
-                  <a:srgbClr val="FFFFFF"/>
-                </a:solidFill>
-              </a14:hiddenFill>
-            </a:ext>
-          </a:extLst>
-        </p:spPr>
-        <p:txBody>
-          <a:bodyPr wrap="square">
-            <a:spAutoFit/>
-          </a:bodyPr>
-          <a:lstStyle>
-            <a:defPPr>
-              <a:defRPr lang="zh-CN"/>
-            </a:defPPr>
-          </a:lstStyle>
-          <a:p>
-            <a:r>
-              <a:rPr lang="en-US" altLang="zh-CN"/>
-              <a:t>Training lobe mesh</a:t>
-            </a:r>
-            <a:endParaRPr lang="zh-CN" altLang="en-US"/>
           </a:p>
         </p:txBody>
       </p:sp>
       <p:cxnSp>
         <p:nvCxnSpPr>
           <p:cNvPr id="33" name="直接箭头连接符 4"/>
-          <p:cNvCxnSpPr/>
+          <p:cNvCxnSpPr>
+            <a:cxnSpLocks/>
+            <a:stCxn id="21" idx="2"/>
+          </p:cNvCxnSpPr>
           <p:nvPr/>
         </p:nvCxnSpPr>
         <p:spPr>
           <a:xfrm>
-            <a:off x="6981724" y="2829498"/>
-            <a:ext cx="0" cy="432048"/>
+            <a:off x="7040765" y="2286688"/>
+            <a:ext cx="4647" cy="358383"/>
           </a:xfrm>
           <a:prstGeom prst="straightConnector1">
             <a:avLst/>
@@ -4218,13 +4077,16 @@
       <p:cxnSp>
         <p:nvCxnSpPr>
           <p:cNvPr id="34" name="直接箭头连接符 4"/>
-          <p:cNvCxnSpPr/>
+          <p:cNvCxnSpPr>
+            <a:cxnSpLocks/>
+            <a:stCxn id="44" idx="2"/>
+          </p:cNvCxnSpPr>
           <p:nvPr/>
         </p:nvCxnSpPr>
         <p:spPr>
           <a:xfrm>
-            <a:off x="6909716" y="4463552"/>
-            <a:ext cx="0" cy="463342"/>
+            <a:off x="5174591" y="4654742"/>
+            <a:ext cx="1150009" cy="372684"/>
           </a:xfrm>
           <a:prstGeom prst="straightConnector1">
             <a:avLst/>
@@ -4410,8 +4272,8 @@
         </p:nvSpPr>
         <p:spPr bwMode="auto">
           <a:xfrm>
-            <a:off x="9048328" y="1484784"/>
-            <a:ext cx="1703387" cy="646331"/>
+            <a:off x="8878886" y="1484784"/>
+            <a:ext cx="2047218" cy="646331"/>
           </a:xfrm>
           <a:prstGeom prst="rect">
             <a:avLst/>
@@ -4447,7 +4309,7 @@
           <a:p>
             <a:r>
               <a:rPr lang="en-US" altLang="zh-CN" dirty="0"/>
-              <a:t>SSM predicted ROI</a:t>
+              <a:t>Extract search regions</a:t>
             </a:r>
             <a:endParaRPr lang="zh-CN" altLang="en-US" dirty="0"/>
           </a:p>
@@ -4456,13 +4318,15 @@
       <p:cxnSp>
         <p:nvCxnSpPr>
           <p:cNvPr id="39" name="直接箭头连接符 4"/>
-          <p:cNvCxnSpPr/>
+          <p:cNvCxnSpPr>
+            <a:cxnSpLocks/>
+          </p:cNvCxnSpPr>
           <p:nvPr/>
         </p:nvCxnSpPr>
         <p:spPr>
-          <a:xfrm flipH="1">
-            <a:off x="9869999" y="2115147"/>
-            <a:ext cx="2" cy="471797"/>
+          <a:xfrm>
+            <a:off x="9864090" y="2137410"/>
+            <a:ext cx="5910" cy="449534"/>
           </a:xfrm>
           <a:prstGeom prst="straightConnector1">
             <a:avLst/>
@@ -4598,13 +4462,15 @@
       <p:cxnSp>
         <p:nvCxnSpPr>
           <p:cNvPr id="42" name="直接箭头连接符 4"/>
-          <p:cNvCxnSpPr/>
+          <p:cNvCxnSpPr>
+            <a:cxnSpLocks/>
+          </p:cNvCxnSpPr>
           <p:nvPr/>
         </p:nvCxnSpPr>
         <p:spPr>
-          <a:xfrm flipH="1">
-            <a:off x="9855748" y="3284606"/>
-            <a:ext cx="2" cy="471797"/>
+          <a:xfrm>
+            <a:off x="9850120" y="3246120"/>
+            <a:ext cx="5626" cy="486019"/>
           </a:xfrm>
           <a:prstGeom prst="straightConnector1">
             <a:avLst/>
@@ -4634,13 +4500,15 @@
       <p:cxnSp>
         <p:nvCxnSpPr>
           <p:cNvPr id="43" name="直接箭头连接符 4"/>
-          <p:cNvCxnSpPr/>
+          <p:cNvCxnSpPr>
+            <a:cxnSpLocks/>
+          </p:cNvCxnSpPr>
           <p:nvPr/>
         </p:nvCxnSpPr>
         <p:spPr>
-          <a:xfrm flipH="1">
-            <a:off x="9855746" y="4362985"/>
-            <a:ext cx="2" cy="471797"/>
+          <a:xfrm>
+            <a:off x="9845040" y="4368800"/>
+            <a:ext cx="10160" cy="426720"/>
           </a:xfrm>
           <a:prstGeom prst="straightConnector1">
             <a:avLst/>
@@ -4739,6 +4607,383 @@
           </a:fontRef>
         </p:style>
       </p:cxnSp>
+      <p:sp>
+        <p:nvSpPr>
+          <p:cNvPr id="44" name="TextBox 2">
+            <a:extLst>
+              <a:ext uri="{FF2B5EF4-FFF2-40B4-BE49-F238E27FC236}">
+                <a16:creationId xmlns:a16="http://schemas.microsoft.com/office/drawing/2014/main" id="{64BFAF7B-CE4A-4F58-ADA2-6C0F177695C8}"/>
+              </a:ext>
+            </a:extLst>
+          </p:cNvPr>
+          <p:cNvSpPr txBox="1">
+            <a:spLocks noChangeArrowheads="1"/>
+          </p:cNvSpPr>
+          <p:nvPr/>
+        </p:nvSpPr>
+        <p:spPr bwMode="auto">
+          <a:xfrm>
+            <a:off x="4443076" y="4008411"/>
+            <a:ext cx="1463029" cy="646331"/>
+          </a:xfrm>
+          <a:prstGeom prst="rect">
+            <a:avLst/>
+          </a:prstGeom>
+          <a:noFill/>
+          <a:ln w="9525">
+            <a:solidFill>
+              <a:schemeClr val="tx1"/>
+            </a:solidFill>
+            <a:miter lim="800000"/>
+            <a:headEnd/>
+            <a:tailEnd/>
+          </a:ln>
+          <a:extLst>
+            <a:ext uri="{909E8E84-426E-40DD-AFC4-6F175D3DCCD1}">
+              <a14:hiddenFill xmlns:a14="http://schemas.microsoft.com/office/drawing/2010/main">
+                <a:solidFill>
+                  <a:srgbClr val="FFFFFF"/>
+                </a:solidFill>
+              </a14:hiddenFill>
+            </a:ext>
+          </a:extLst>
+        </p:spPr>
+        <p:txBody>
+          <a:bodyPr wrap="square">
+            <a:spAutoFit/>
+          </a:bodyPr>
+          <a:lstStyle>
+            <a:defPPr>
+              <a:defRPr lang="zh-CN"/>
+            </a:defPPr>
+          </a:lstStyle>
+          <a:p>
+            <a:r>
+              <a:rPr lang="en-US" altLang="zh-CN" dirty="0"/>
+              <a:t>Lobe average SSM</a:t>
+            </a:r>
+            <a:endParaRPr lang="zh-CN" altLang="en-US" dirty="0"/>
+          </a:p>
+        </p:txBody>
+      </p:sp>
+      <p:cxnSp>
+        <p:nvCxnSpPr>
+          <p:cNvPr id="46" name="直接箭头连接符 4">
+            <a:extLst>
+              <a:ext uri="{FF2B5EF4-FFF2-40B4-BE49-F238E27FC236}">
+                <a16:creationId xmlns:a16="http://schemas.microsoft.com/office/drawing/2014/main" id="{AD6EB565-913D-4B01-A8A5-D268BC93E171}"/>
+              </a:ext>
+            </a:extLst>
+          </p:cNvPr>
+          <p:cNvCxnSpPr>
+            <a:cxnSpLocks/>
+          </p:cNvCxnSpPr>
+          <p:nvPr/>
+        </p:nvCxnSpPr>
+        <p:spPr>
+          <a:xfrm flipH="1">
+            <a:off x="5219875" y="3612551"/>
+            <a:ext cx="1085686" cy="380839"/>
+          </a:xfrm>
+          <a:prstGeom prst="straightConnector1">
+            <a:avLst/>
+          </a:prstGeom>
+          <a:ln w="15875">
+            <a:solidFill>
+              <a:schemeClr val="tx1"/>
+            </a:solidFill>
+            <a:tailEnd type="arrow"/>
+          </a:ln>
+        </p:spPr>
+        <p:style>
+          <a:lnRef idx="1">
+            <a:schemeClr val="accent1"/>
+          </a:lnRef>
+          <a:fillRef idx="0">
+            <a:schemeClr val="accent1"/>
+          </a:fillRef>
+          <a:effectRef idx="0">
+            <a:schemeClr val="accent1"/>
+          </a:effectRef>
+          <a:fontRef idx="minor">
+            <a:schemeClr val="tx1"/>
+          </a:fontRef>
+        </p:style>
+      </p:cxnSp>
+      <p:cxnSp>
+        <p:nvCxnSpPr>
+          <p:cNvPr id="48" name="直接箭头连接符 4">
+            <a:extLst>
+              <a:ext uri="{FF2B5EF4-FFF2-40B4-BE49-F238E27FC236}">
+                <a16:creationId xmlns:a16="http://schemas.microsoft.com/office/drawing/2014/main" id="{B768C495-C1F3-4AA6-81F8-947FA1F05FE4}"/>
+              </a:ext>
+            </a:extLst>
+          </p:cNvPr>
+          <p:cNvCxnSpPr>
+            <a:cxnSpLocks/>
+          </p:cNvCxnSpPr>
+          <p:nvPr/>
+        </p:nvCxnSpPr>
+        <p:spPr>
+          <a:xfrm>
+            <a:off x="5060949" y="2459039"/>
+            <a:ext cx="0" cy="309001"/>
+          </a:xfrm>
+          <a:prstGeom prst="straightConnector1">
+            <a:avLst/>
+          </a:prstGeom>
+          <a:ln w="15875">
+            <a:solidFill>
+              <a:schemeClr val="tx1"/>
+            </a:solidFill>
+            <a:tailEnd type="arrow"/>
+          </a:ln>
+        </p:spPr>
+        <p:style>
+          <a:lnRef idx="1">
+            <a:schemeClr val="accent1"/>
+          </a:lnRef>
+          <a:fillRef idx="0">
+            <a:schemeClr val="accent1"/>
+          </a:fillRef>
+          <a:effectRef idx="0">
+            <a:schemeClr val="accent1"/>
+          </a:effectRef>
+          <a:fontRef idx="minor">
+            <a:schemeClr val="tx1"/>
+          </a:fontRef>
+        </p:style>
+      </p:cxnSp>
+      <p:sp>
+        <p:nvSpPr>
+          <p:cNvPr id="49" name="TextBox 2">
+            <a:extLst>
+              <a:ext uri="{FF2B5EF4-FFF2-40B4-BE49-F238E27FC236}">
+                <a16:creationId xmlns:a16="http://schemas.microsoft.com/office/drawing/2014/main" id="{C8A30799-427F-4BB0-B2AA-A6EFC7A1AB98}"/>
+              </a:ext>
+            </a:extLst>
+          </p:cNvPr>
+          <p:cNvSpPr txBox="1">
+            <a:spLocks noChangeArrowheads="1"/>
+          </p:cNvSpPr>
+          <p:nvPr/>
+        </p:nvSpPr>
+        <p:spPr bwMode="auto">
+          <a:xfrm rot="1107052">
+            <a:off x="5301741" y="4819582"/>
+            <a:ext cx="970314" cy="338554"/>
+          </a:xfrm>
+          <a:prstGeom prst="rect">
+            <a:avLst/>
+          </a:prstGeom>
+          <a:noFill/>
+          <a:ln>
+            <a:noFill/>
+          </a:ln>
+          <a:extLst>
+            <a:ext uri="{909E8E84-426E-40DD-AFC4-6F175D3DCCD1}">
+              <a14:hiddenFill xmlns:a14="http://schemas.microsoft.com/office/drawing/2010/main">
+                <a:solidFill>
+                  <a:srgbClr val="FFFFFF"/>
+                </a:solidFill>
+              </a14:hiddenFill>
+            </a:ext>
+            <a:ext uri="{91240B29-F687-4F45-9708-019B960494DF}">
+              <a14:hiddenLine xmlns:a14="http://schemas.microsoft.com/office/drawing/2010/main" w="9525">
+                <a:solidFill>
+                  <a:srgbClr val="000000"/>
+                </a:solidFill>
+                <a:miter lim="800000"/>
+                <a:headEnd/>
+                <a:tailEnd/>
+              </a14:hiddenLine>
+            </a:ext>
+          </a:extLst>
+        </p:spPr>
+        <p:txBody>
+          <a:bodyPr wrap="square">
+            <a:spAutoFit/>
+          </a:bodyPr>
+          <a:lstStyle>
+            <a:lvl1pPr eaLnBrk="0" hangingPunct="0">
+              <a:defRPr>
+                <a:solidFill>
+                  <a:schemeClr val="tx1"/>
+                </a:solidFill>
+                <a:latin typeface="Arial" charset="0"/>
+                <a:ea typeface="宋体" charset="-122"/>
+              </a:defRPr>
+            </a:lvl1pPr>
+            <a:lvl2pPr marL="742950" indent="-285750" eaLnBrk="0" hangingPunct="0">
+              <a:defRPr>
+                <a:solidFill>
+                  <a:schemeClr val="tx1"/>
+                </a:solidFill>
+                <a:latin typeface="Arial" charset="0"/>
+                <a:ea typeface="宋体" charset="-122"/>
+              </a:defRPr>
+            </a:lvl2pPr>
+            <a:lvl3pPr marL="1143000" indent="-228600" eaLnBrk="0" hangingPunct="0">
+              <a:defRPr>
+                <a:solidFill>
+                  <a:schemeClr val="tx1"/>
+                </a:solidFill>
+                <a:latin typeface="Arial" charset="0"/>
+                <a:ea typeface="宋体" charset="-122"/>
+              </a:defRPr>
+            </a:lvl3pPr>
+            <a:lvl4pPr marL="1600200" indent="-228600" eaLnBrk="0" hangingPunct="0">
+              <a:defRPr>
+                <a:solidFill>
+                  <a:schemeClr val="tx1"/>
+                </a:solidFill>
+                <a:latin typeface="Arial" charset="0"/>
+                <a:ea typeface="宋体" charset="-122"/>
+              </a:defRPr>
+            </a:lvl4pPr>
+            <a:lvl5pPr marL="2057400" indent="-228600" eaLnBrk="0" hangingPunct="0">
+              <a:defRPr>
+                <a:solidFill>
+                  <a:schemeClr val="tx1"/>
+                </a:solidFill>
+                <a:latin typeface="Arial" charset="0"/>
+                <a:ea typeface="宋体" charset="-122"/>
+              </a:defRPr>
+            </a:lvl5pPr>
+            <a:lvl6pPr marL="2514600" indent="-228600" eaLnBrk="0" fontAlgn="base" hangingPunct="0">
+              <a:spcBef>
+                <a:spcPct val="0"/>
+              </a:spcBef>
+              <a:spcAft>
+                <a:spcPct val="0"/>
+              </a:spcAft>
+              <a:defRPr>
+                <a:solidFill>
+                  <a:schemeClr val="tx1"/>
+                </a:solidFill>
+                <a:latin typeface="Arial" charset="0"/>
+                <a:ea typeface="宋体" charset="-122"/>
+              </a:defRPr>
+            </a:lvl6pPr>
+            <a:lvl7pPr marL="2971800" indent="-228600" eaLnBrk="0" fontAlgn="base" hangingPunct="0">
+              <a:spcBef>
+                <a:spcPct val="0"/>
+              </a:spcBef>
+              <a:spcAft>
+                <a:spcPct val="0"/>
+              </a:spcAft>
+              <a:defRPr>
+                <a:solidFill>
+                  <a:schemeClr val="tx1"/>
+                </a:solidFill>
+                <a:latin typeface="Arial" charset="0"/>
+                <a:ea typeface="宋体" charset="-122"/>
+              </a:defRPr>
+            </a:lvl7pPr>
+            <a:lvl8pPr marL="3429000" indent="-228600" eaLnBrk="0" fontAlgn="base" hangingPunct="0">
+              <a:spcBef>
+                <a:spcPct val="0"/>
+              </a:spcBef>
+              <a:spcAft>
+                <a:spcPct val="0"/>
+              </a:spcAft>
+              <a:defRPr>
+                <a:solidFill>
+                  <a:schemeClr val="tx1"/>
+                </a:solidFill>
+                <a:latin typeface="Arial" charset="0"/>
+                <a:ea typeface="宋体" charset="-122"/>
+              </a:defRPr>
+            </a:lvl8pPr>
+            <a:lvl9pPr marL="3886200" indent="-228600" eaLnBrk="0" fontAlgn="base" hangingPunct="0">
+              <a:spcBef>
+                <a:spcPct val="0"/>
+              </a:spcBef>
+              <a:spcAft>
+                <a:spcPct val="0"/>
+              </a:spcAft>
+              <a:defRPr>
+                <a:solidFill>
+                  <a:schemeClr val="tx1"/>
+                </a:solidFill>
+                <a:latin typeface="Arial" charset="0"/>
+                <a:ea typeface="宋体" charset="-122"/>
+              </a:defRPr>
+            </a:lvl9pPr>
+          </a:lstStyle>
+          <a:p>
+            <a:pPr eaLnBrk="1" hangingPunct="1"/>
+            <a:r>
+              <a:rPr lang="en-US" altLang="zh-CN" sz="1600" dirty="0">
+                <a:latin typeface="+mn-lt"/>
+                <a:ea typeface="+mn-ea"/>
+              </a:rPr>
+              <a:t>Output</a:t>
+            </a:r>
+            <a:endParaRPr lang="zh-CN" altLang="en-US" sz="1600" dirty="0">
+              <a:latin typeface="+mn-lt"/>
+              <a:ea typeface="+mn-ea"/>
+            </a:endParaRPr>
+          </a:p>
+        </p:txBody>
+      </p:sp>
+      <p:sp>
+        <p:nvSpPr>
+          <p:cNvPr id="52" name="TextBox 2">
+            <a:extLst>
+              <a:ext uri="{FF2B5EF4-FFF2-40B4-BE49-F238E27FC236}">
+                <a16:creationId xmlns:a16="http://schemas.microsoft.com/office/drawing/2014/main" id="{51E6B3F8-52F2-417A-9FB6-06A63C0D5BEA}"/>
+              </a:ext>
+            </a:extLst>
+          </p:cNvPr>
+          <p:cNvSpPr txBox="1">
+            <a:spLocks noChangeArrowheads="1"/>
+          </p:cNvSpPr>
+          <p:nvPr/>
+        </p:nvSpPr>
+        <p:spPr bwMode="auto">
+          <a:xfrm>
+            <a:off x="5019461" y="2412226"/>
+            <a:ext cx="1333500" cy="338554"/>
+          </a:xfrm>
+          <a:prstGeom prst="rect">
+            <a:avLst/>
+          </a:prstGeom>
+          <a:noFill/>
+          <a:ln w="9525">
+            <a:noFill/>
+            <a:miter lim="800000"/>
+            <a:headEnd/>
+            <a:tailEnd/>
+          </a:ln>
+          <a:extLst>
+            <a:ext uri="{909E8E84-426E-40DD-AFC4-6F175D3DCCD1}">
+              <a14:hiddenFill xmlns:a14="http://schemas.microsoft.com/office/drawing/2010/main">
+                <a:solidFill>
+                  <a:srgbClr val="FFFFFF"/>
+                </a:solidFill>
+              </a14:hiddenFill>
+            </a:ext>
+          </a:extLst>
+        </p:spPr>
+        <p:txBody>
+          <a:bodyPr wrap="square">
+            <a:spAutoFit/>
+          </a:bodyPr>
+          <a:lstStyle>
+            <a:defPPr>
+              <a:defRPr lang="zh-CN"/>
+            </a:defPPr>
+          </a:lstStyle>
+          <a:p>
+            <a:r>
+              <a:rPr lang="en-US" altLang="zh-CN" sz="1600" dirty="0"/>
+              <a:t>PCA analysis</a:t>
+            </a:r>
+            <a:endParaRPr lang="zh-CN" altLang="en-US" sz="1600" dirty="0"/>
+          </a:p>
+        </p:txBody>
+      </p:sp>
     </p:spTree>
     <p:extLst>
       <p:ext uri="{BB962C8B-B14F-4D97-AF65-F5344CB8AC3E}">
@@ -4922,39 +5167,21 @@
                                   </p:childTnLst>
                                 </p:cTn>
                               </p:par>
-                            </p:childTnLst>
-                          </p:cTn>
-                        </p:par>
-                      </p:childTnLst>
-                    </p:cTn>
-                  </p:par>
-                  <p:par>
-                    <p:cTn id="17" fill="hold">
-                      <p:stCondLst>
-                        <p:cond delay="indefinite"/>
-                      </p:stCondLst>
-                      <p:childTnLst>
-                        <p:par>
-                          <p:cTn id="18" fill="hold">
-                            <p:stCondLst>
-                              <p:cond delay="0"/>
-                            </p:stCondLst>
-                            <p:childTnLst>
                               <p:par>
-                                <p:cTn id="19" presetID="1" presetClass="entr" presetSubtype="0" fill="hold" nodeType="clickEffect">
+                                <p:cTn id="17" presetID="1" presetClass="entr" presetSubtype="0" fill="hold" grpId="0" nodeType="withEffect">
                                   <p:stCondLst>
                                     <p:cond delay="0"/>
                                   </p:stCondLst>
                                   <p:childTnLst>
                                     <p:set>
                                       <p:cBhvr>
-                                        <p:cTn id="20" dur="1" fill="hold">
+                                        <p:cTn id="18" dur="1" fill="hold">
                                           <p:stCondLst>
                                             <p:cond delay="0"/>
                                           </p:stCondLst>
                                         </p:cTn>
                                         <p:tgtEl>
-                                          <p:spTgt spid="22"/>
+                                          <p:spTgt spid="23"/>
                                         </p:tgtEl>
                                         <p:attrNameLst>
                                           <p:attrName>style.visibility</p:attrName>
@@ -4968,7 +5195,34 @@
                                 </p:cTn>
                               </p:par>
                               <p:par>
-                                <p:cTn id="21" presetID="1" presetClass="entr" presetSubtype="0" fill="hold" grpId="0" nodeType="withEffect">
+                                <p:cTn id="19" presetID="1" presetClass="entr" presetSubtype="0" fill="hold" grpId="0" nodeType="withEffect">
+                                  <p:stCondLst>
+                                    <p:cond delay="0"/>
+                                  </p:stCondLst>
+                                  <p:childTnLst>
+                                    <p:set>
+                                      <p:cBhvr>
+                                        <p:cTn id="20" dur="1" fill="hold">
+                                          <p:stCondLst>
+                                            <p:cond delay="0"/>
+                                          </p:stCondLst>
+                                        </p:cTn>
+                                        <p:tgtEl>
+                                          <p:spTgt spid="28"/>
+                                        </p:tgtEl>
+                                        <p:attrNameLst>
+                                          <p:attrName>style.visibility</p:attrName>
+                                        </p:attrNameLst>
+                                      </p:cBhvr>
+                                      <p:to>
+                                        <p:strVal val="visible"/>
+                                      </p:to>
+                                    </p:set>
+                                  </p:childTnLst>
+                                </p:cTn>
+                              </p:par>
+                              <p:par>
+                                <p:cTn id="21" presetID="1" presetClass="entr" presetSubtype="0" fill="hold" nodeType="withEffect">
                                   <p:stCondLst>
                                     <p:cond delay="0"/>
                                   </p:stCondLst>
@@ -4981,7 +5235,7 @@
                                           </p:stCondLst>
                                         </p:cTn>
                                         <p:tgtEl>
-                                          <p:spTgt spid="23"/>
+                                          <p:spTgt spid="29"/>
                                         </p:tgtEl>
                                         <p:attrNameLst>
                                           <p:attrName>style.visibility</p:attrName>
@@ -5008,114 +5262,6 @@
                                           </p:stCondLst>
                                         </p:cTn>
                                         <p:tgtEl>
-                                          <p:spTgt spid="28"/>
-                                        </p:tgtEl>
-                                        <p:attrNameLst>
-                                          <p:attrName>style.visibility</p:attrName>
-                                        </p:attrNameLst>
-                                      </p:cBhvr>
-                                      <p:to>
-                                        <p:strVal val="visible"/>
-                                      </p:to>
-                                    </p:set>
-                                  </p:childTnLst>
-                                </p:cTn>
-                              </p:par>
-                              <p:par>
-                                <p:cTn id="25" presetID="1" presetClass="entr" presetSubtype="0" fill="hold" grpId="0" nodeType="withEffect">
-                                  <p:stCondLst>
-                                    <p:cond delay="0"/>
-                                  </p:stCondLst>
-                                  <p:childTnLst>
-                                    <p:set>
-                                      <p:cBhvr>
-                                        <p:cTn id="26" dur="1" fill="hold">
-                                          <p:stCondLst>
-                                            <p:cond delay="0"/>
-                                          </p:stCondLst>
-                                        </p:cTn>
-                                        <p:tgtEl>
-                                          <p:spTgt spid="27"/>
-                                        </p:tgtEl>
-                                        <p:attrNameLst>
-                                          <p:attrName>style.visibility</p:attrName>
-                                        </p:attrNameLst>
-                                      </p:cBhvr>
-                                      <p:to>
-                                        <p:strVal val="visible"/>
-                                      </p:to>
-                                    </p:set>
-                                  </p:childTnLst>
-                                </p:cTn>
-                              </p:par>
-                              <p:par>
-                                <p:cTn id="27" presetID="1" presetClass="entr" presetSubtype="0" fill="hold" nodeType="withEffect">
-                                  <p:stCondLst>
-                                    <p:cond delay="0"/>
-                                  </p:stCondLst>
-                                  <p:childTnLst>
-                                    <p:set>
-                                      <p:cBhvr>
-                                        <p:cTn id="28" dur="1" fill="hold">
-                                          <p:stCondLst>
-                                            <p:cond delay="0"/>
-                                          </p:stCondLst>
-                                        </p:cTn>
-                                        <p:tgtEl>
-                                          <p:spTgt spid="29"/>
-                                        </p:tgtEl>
-                                        <p:attrNameLst>
-                                          <p:attrName>style.visibility</p:attrName>
-                                        </p:attrNameLst>
-                                      </p:cBhvr>
-                                      <p:to>
-                                        <p:strVal val="visible"/>
-                                      </p:to>
-                                    </p:set>
-                                  </p:childTnLst>
-                                </p:cTn>
-                              </p:par>
-                              <p:par>
-                                <p:cTn id="29" presetID="1" presetClass="entr" presetSubtype="0" fill="hold" grpId="0" nodeType="withEffect">
-                                  <p:stCondLst>
-                                    <p:cond delay="0"/>
-                                  </p:stCondLst>
-                                  <p:childTnLst>
-                                    <p:set>
-                                      <p:cBhvr>
-                                        <p:cTn id="30" dur="1" fill="hold">
-                                          <p:stCondLst>
-                                            <p:cond delay="0"/>
-                                          </p:stCondLst>
-                                        </p:cTn>
-                                        <p:tgtEl>
-                                          <p:spTgt spid="31"/>
-                                        </p:tgtEl>
-                                        <p:attrNameLst>
-                                          <p:attrName>style.visibility</p:attrName>
-                                        </p:attrNameLst>
-                                      </p:cBhvr>
-                                      <p:to>
-                                        <p:strVal val="visible"/>
-                                      </p:to>
-                                    </p:set>
-                                  </p:childTnLst>
-                                </p:cTn>
-                              </p:par>
-                              <p:par>
-                                <p:cTn id="31" presetID="1" presetClass="entr" presetSubtype="0" fill="hold" grpId="0" nodeType="withEffect">
-                                  <p:stCondLst>
-                                    <p:cond delay="0"/>
-                                  </p:stCondLst>
-                                  <p:childTnLst>
-                                    <p:set>
-                                      <p:cBhvr>
-                                        <p:cTn id="32" dur="1" fill="hold">
-                                          <p:stCondLst>
-                                            <p:cond delay="0"/>
-                                          </p:stCondLst>
-                                        </p:cTn>
-                                        <p:tgtEl>
                                           <p:spTgt spid="30"/>
                                         </p:tgtEl>
                                         <p:attrNameLst>
@@ -5136,26 +5282,26 @@
                     </p:cTn>
                   </p:par>
                   <p:par>
-                    <p:cTn id="33" fill="hold">
+                    <p:cTn id="25" fill="hold">
                       <p:stCondLst>
                         <p:cond delay="indefinite"/>
                       </p:stCondLst>
                       <p:childTnLst>
                         <p:par>
-                          <p:cTn id="34" fill="hold">
+                          <p:cTn id="26" fill="hold">
                             <p:stCondLst>
                               <p:cond delay="0"/>
                             </p:stCondLst>
                             <p:childTnLst>
                               <p:par>
-                                <p:cTn id="35" presetID="1" presetClass="entr" presetSubtype="0" fill="hold" nodeType="clickEffect">
+                                <p:cTn id="27" presetID="1" presetClass="entr" presetSubtype="0" fill="hold" nodeType="clickEffect">
                                   <p:stCondLst>
                                     <p:cond delay="0"/>
                                   </p:stCondLst>
                                   <p:childTnLst>
                                     <p:set>
                                       <p:cBhvr>
-                                        <p:cTn id="36" dur="1" fill="hold">
+                                        <p:cTn id="28" dur="1" fill="hold">
                                           <p:stCondLst>
                                             <p:cond delay="0"/>
                                           </p:stCondLst>
@@ -5175,14 +5321,14 @@
                                 </p:cTn>
                               </p:par>
                               <p:par>
-                                <p:cTn id="37" presetID="1" presetClass="entr" presetSubtype="0" fill="hold" nodeType="withEffect">
+                                <p:cTn id="29" presetID="1" presetClass="entr" presetSubtype="0" fill="hold" nodeType="withEffect">
                                   <p:stCondLst>
                                     <p:cond delay="0"/>
                                   </p:stCondLst>
                                   <p:childTnLst>
                                     <p:set>
                                       <p:cBhvr>
-                                        <p:cTn id="38" dur="1" fill="hold">
+                                        <p:cTn id="30" dur="1" fill="hold">
                                           <p:stCondLst>
                                             <p:cond delay="0"/>
                                           </p:stCondLst>
@@ -5208,26 +5354,26 @@
                     </p:cTn>
                   </p:par>
                   <p:par>
-                    <p:cTn id="39" fill="hold">
+                    <p:cTn id="31" fill="hold">
                       <p:stCondLst>
                         <p:cond delay="indefinite"/>
                       </p:stCondLst>
                       <p:childTnLst>
                         <p:par>
-                          <p:cTn id="40" fill="hold">
+                          <p:cTn id="32" fill="hold">
                             <p:stCondLst>
                               <p:cond delay="0"/>
                             </p:stCondLst>
                             <p:childTnLst>
                               <p:par>
-                                <p:cTn id="41" presetID="1" presetClass="entr" presetSubtype="0" fill="hold" grpId="0" nodeType="clickEffect">
+                                <p:cTn id="33" presetID="1" presetClass="entr" presetSubtype="0" fill="hold" grpId="0" nodeType="clickEffect">
                                   <p:stCondLst>
                                     <p:cond delay="0"/>
                                   </p:stCondLst>
                                   <p:childTnLst>
                                     <p:set>
                                       <p:cBhvr>
-                                        <p:cTn id="42" dur="1" fill="hold">
+                                        <p:cTn id="34" dur="1" fill="hold">
                                           <p:stCondLst>
                                             <p:cond delay="0"/>
                                           </p:stCondLst>
@@ -5247,7 +5393,97 @@
                                 </p:cTn>
                               </p:par>
                               <p:par>
-                                <p:cTn id="43" presetID="1" presetClass="entr" presetSubtype="0" fill="hold" nodeType="withEffect">
+                                <p:cTn id="35" presetID="1" presetClass="entr" presetSubtype="0" fill="hold" nodeType="withEffect">
+                                  <p:stCondLst>
+                                    <p:cond delay="0"/>
+                                  </p:stCondLst>
+                                  <p:childTnLst>
+                                    <p:set>
+                                      <p:cBhvr>
+                                        <p:cTn id="36" dur="1" fill="hold">
+                                          <p:stCondLst>
+                                            <p:cond delay="0"/>
+                                          </p:stCondLst>
+                                        </p:cTn>
+                                        <p:tgtEl>
+                                          <p:spTgt spid="39"/>
+                                        </p:tgtEl>
+                                        <p:attrNameLst>
+                                          <p:attrName>style.visibility</p:attrName>
+                                        </p:attrNameLst>
+                                      </p:cBhvr>
+                                      <p:to>
+                                        <p:strVal val="visible"/>
+                                      </p:to>
+                                    </p:set>
+                                  </p:childTnLst>
+                                </p:cTn>
+                              </p:par>
+                            </p:childTnLst>
+                          </p:cTn>
+                        </p:par>
+                      </p:childTnLst>
+                    </p:cTn>
+                  </p:par>
+                  <p:par>
+                    <p:cTn id="37" fill="hold">
+                      <p:stCondLst>
+                        <p:cond delay="indefinite"/>
+                      </p:stCondLst>
+                      <p:childTnLst>
+                        <p:par>
+                          <p:cTn id="38" fill="hold">
+                            <p:stCondLst>
+                              <p:cond delay="0"/>
+                            </p:stCondLst>
+                            <p:childTnLst>
+                              <p:par>
+                                <p:cTn id="39" presetID="1" presetClass="entr" presetSubtype="0" fill="hold" grpId="0" nodeType="clickEffect">
+                                  <p:stCondLst>
+                                    <p:cond delay="0"/>
+                                  </p:stCondLst>
+                                  <p:childTnLst>
+                                    <p:set>
+                                      <p:cBhvr>
+                                        <p:cTn id="40" dur="1" fill="hold">
+                                          <p:stCondLst>
+                                            <p:cond delay="0"/>
+                                          </p:stCondLst>
+                                        </p:cTn>
+                                        <p:tgtEl>
+                                          <p:spTgt spid="37"/>
+                                        </p:tgtEl>
+                                        <p:attrNameLst>
+                                          <p:attrName>style.visibility</p:attrName>
+                                        </p:attrNameLst>
+                                      </p:cBhvr>
+                                      <p:to>
+                                        <p:strVal val="visible"/>
+                                      </p:to>
+                                    </p:set>
+                                  </p:childTnLst>
+                                </p:cTn>
+                              </p:par>
+                            </p:childTnLst>
+                          </p:cTn>
+                        </p:par>
+                      </p:childTnLst>
+                    </p:cTn>
+                  </p:par>
+                  <p:par>
+                    <p:cTn id="41" fill="hold">
+                      <p:stCondLst>
+                        <p:cond delay="indefinite"/>
+                      </p:stCondLst>
+                      <p:childTnLst>
+                        <p:par>
+                          <p:cTn id="42" fill="hold">
+                            <p:stCondLst>
+                              <p:cond delay="0"/>
+                            </p:stCondLst>
+                            <p:childTnLst>
+                              <p:par>
+                                <p:cTn id="43" presetID="1" presetClass="entr" presetSubtype="0" fill="hold" grpId="0" nodeType="clickEffect">
                                   <p:stCondLst>
                                     <p:cond delay="0"/>
                                   </p:stCondLst>
@@ -5260,7 +5496,7 @@
                                           </p:stCondLst>
                                         </p:cTn>
                                         <p:tgtEl>
-                                          <p:spTgt spid="39"/>
+                                          <p:spTgt spid="40"/>
                                         </p:tgtEl>
                                         <p:attrNameLst>
                                           <p:attrName>style.visibility</p:attrName>
@@ -5305,7 +5541,142 @@
                                           </p:stCondLst>
                                         </p:cTn>
                                         <p:tgtEl>
-                                          <p:spTgt spid="37"/>
+                                          <p:spTgt spid="41"/>
+                                        </p:tgtEl>
+                                        <p:attrNameLst>
+                                          <p:attrName>style.visibility</p:attrName>
+                                        </p:attrNameLst>
+                                      </p:cBhvr>
+                                      <p:to>
+                                        <p:strVal val="visible"/>
+                                      </p:to>
+                                    </p:set>
+                                  </p:childTnLst>
+                                </p:cTn>
+                              </p:par>
+                              <p:par>
+                                <p:cTn id="49" presetID="1" presetClass="entr" presetSubtype="0" fill="hold" nodeType="withEffect">
+                                  <p:stCondLst>
+                                    <p:cond delay="0"/>
+                                  </p:stCondLst>
+                                  <p:childTnLst>
+                                    <p:set>
+                                      <p:cBhvr>
+                                        <p:cTn id="50" dur="1" fill="hold">
+                                          <p:stCondLst>
+                                            <p:cond delay="0"/>
+                                          </p:stCondLst>
+                                        </p:cTn>
+                                        <p:tgtEl>
+                                          <p:spTgt spid="42"/>
+                                        </p:tgtEl>
+                                        <p:attrNameLst>
+                                          <p:attrName>style.visibility</p:attrName>
+                                        </p:attrNameLst>
+                                      </p:cBhvr>
+                                      <p:to>
+                                        <p:strVal val="visible"/>
+                                      </p:to>
+                                    </p:set>
+                                  </p:childTnLst>
+                                </p:cTn>
+                              </p:par>
+                              <p:par>
+                                <p:cTn id="51" presetID="1" presetClass="entr" presetSubtype="0" fill="hold" nodeType="withEffect">
+                                  <p:stCondLst>
+                                    <p:cond delay="0"/>
+                                  </p:stCondLst>
+                                  <p:childTnLst>
+                                    <p:set>
+                                      <p:cBhvr>
+                                        <p:cTn id="52" dur="1" fill="hold">
+                                          <p:stCondLst>
+                                            <p:cond delay="0"/>
+                                          </p:stCondLst>
+                                        </p:cTn>
+                                        <p:tgtEl>
+                                          <p:spTgt spid="43"/>
+                                        </p:tgtEl>
+                                        <p:attrNameLst>
+                                          <p:attrName>style.visibility</p:attrName>
+                                        </p:attrNameLst>
+                                      </p:cBhvr>
+                                      <p:to>
+                                        <p:strVal val="visible"/>
+                                      </p:to>
+                                    </p:set>
+                                  </p:childTnLst>
+                                </p:cTn>
+                              </p:par>
+                              <p:par>
+                                <p:cTn id="53" presetID="1" presetClass="entr" presetSubtype="0" fill="hold" nodeType="withEffect">
+                                  <p:stCondLst>
+                                    <p:cond delay="0"/>
+                                  </p:stCondLst>
+                                  <p:childTnLst>
+                                    <p:set>
+                                      <p:cBhvr>
+                                        <p:cTn id="54" dur="1" fill="hold">
+                                          <p:stCondLst>
+                                            <p:cond delay="0"/>
+                                          </p:stCondLst>
+                                        </p:cTn>
+                                        <p:tgtEl>
+                                          <p:spTgt spid="45"/>
+                                        </p:tgtEl>
+                                        <p:attrNameLst>
+                                          <p:attrName>style.visibility</p:attrName>
+                                        </p:attrNameLst>
+                                      </p:cBhvr>
+                                      <p:to>
+                                        <p:strVal val="visible"/>
+                                      </p:to>
+                                    </p:set>
+                                  </p:childTnLst>
+                                </p:cTn>
+                              </p:par>
+                              <p:par>
+                                <p:cTn id="55" presetID="1" presetClass="entr" presetSubtype="0" fill="hold" nodeType="withEffect">
+                                  <p:stCondLst>
+                                    <p:cond delay="0"/>
+                                  </p:stCondLst>
+                                  <p:childTnLst>
+                                    <p:set>
+                                      <p:cBhvr>
+                                        <p:cTn id="56" dur="1" fill="hold">
+                                          <p:stCondLst>
+                                            <p:cond delay="0"/>
+                                          </p:stCondLst>
+                                        </p:cTn>
+                                        <p:tgtEl>
+                                          <p:spTgt spid="47"/>
+                                        </p:tgtEl>
+                                        <p:attrNameLst>
+                                          <p:attrName>style.visibility</p:attrName>
+                                        </p:attrNameLst>
+                                      </p:cBhvr>
+                                      <p:to>
+                                        <p:strVal val="visible"/>
+                                      </p:to>
+                                    </p:set>
+                                  </p:childTnLst>
+                                </p:cTn>
+                              </p:par>
+                              <p:par>
+                                <p:cTn id="57" presetID="1" presetClass="entr" presetSubtype="0" fill="hold" grpId="0" nodeType="withEffect">
+                                  <p:stCondLst>
+                                    <p:cond delay="0"/>
+                                  </p:stCondLst>
+                                  <p:childTnLst>
+                                    <p:set>
+                                      <p:cBhvr>
+                                        <p:cTn id="58" dur="1" fill="hold">
+                                          <p:stCondLst>
+                                            <p:cond delay="0"/>
+                                          </p:stCondLst>
+                                        </p:cTn>
+                                        <p:tgtEl>
+                                          <p:spTgt spid="44"/>
                                         </p:tgtEl>
                                         <p:attrNameLst>
                                           <p:attrName>style.visibility</p:attrName>
@@ -5325,32 +5696,32 @@
                     </p:cTn>
                   </p:par>
                   <p:par>
-                    <p:cTn id="49" fill="hold">
+                    <p:cTn id="59" fill="hold">
                       <p:stCondLst>
                         <p:cond delay="indefinite"/>
                       </p:stCondLst>
                       <p:childTnLst>
                         <p:par>
-                          <p:cTn id="50" fill="hold">
+                          <p:cTn id="60" fill="hold">
                             <p:stCondLst>
                               <p:cond delay="0"/>
                             </p:stCondLst>
                             <p:childTnLst>
                               <p:par>
-                                <p:cTn id="51" presetID="1" presetClass="entr" presetSubtype="0" fill="hold" grpId="0" nodeType="clickEffect">
+                                <p:cTn id="61" presetID="1" presetClass="entr" presetSubtype="0" fill="hold" nodeType="clickEffect">
                                   <p:stCondLst>
                                     <p:cond delay="0"/>
                                   </p:stCondLst>
                                   <p:childTnLst>
                                     <p:set>
                                       <p:cBhvr>
-                                        <p:cTn id="52" dur="1" fill="hold">
+                                        <p:cTn id="62" dur="1" fill="hold">
                                           <p:stCondLst>
                                             <p:cond delay="0"/>
                                           </p:stCondLst>
                                         </p:cTn>
                                         <p:tgtEl>
-                                          <p:spTgt spid="40"/>
+                                          <p:spTgt spid="46"/>
                                         </p:tgtEl>
                                         <p:attrNameLst>
                                           <p:attrName>style.visibility</p:attrName>
@@ -5370,32 +5741,32 @@
                     </p:cTn>
                   </p:par>
                   <p:par>
-                    <p:cTn id="53" fill="hold">
+                    <p:cTn id="63" fill="hold">
                       <p:stCondLst>
                         <p:cond delay="indefinite"/>
                       </p:stCondLst>
                       <p:childTnLst>
                         <p:par>
-                          <p:cTn id="54" fill="hold">
+                          <p:cTn id="64" fill="hold">
                             <p:stCondLst>
                               <p:cond delay="0"/>
                             </p:stCondLst>
                             <p:childTnLst>
                               <p:par>
-                                <p:cTn id="55" presetID="1" presetClass="entr" presetSubtype="0" fill="hold" grpId="0" nodeType="clickEffect">
+                                <p:cTn id="65" presetID="1" presetClass="entr" presetSubtype="0" fill="hold" nodeType="clickEffect">
                                   <p:stCondLst>
                                     <p:cond delay="0"/>
                                   </p:stCondLst>
                                   <p:childTnLst>
                                     <p:set>
                                       <p:cBhvr>
-                                        <p:cTn id="56" dur="1" fill="hold">
+                                        <p:cTn id="66" dur="1" fill="hold">
                                           <p:stCondLst>
                                             <p:cond delay="0"/>
                                           </p:stCondLst>
                                         </p:cTn>
                                         <p:tgtEl>
-                                          <p:spTgt spid="41"/>
+                                          <p:spTgt spid="48"/>
                                         </p:tgtEl>
                                         <p:attrNameLst>
                                           <p:attrName>style.visibility</p:attrName>
@@ -5409,20 +5780,20 @@
                                 </p:cTn>
                               </p:par>
                               <p:par>
-                                <p:cTn id="57" presetID="1" presetClass="entr" presetSubtype="0" fill="hold" nodeType="withEffect">
+                                <p:cTn id="67" presetID="1" presetClass="entr" presetSubtype="0" fill="hold" grpId="0" nodeType="withEffect">
                                   <p:stCondLst>
                                     <p:cond delay="0"/>
                                   </p:stCondLst>
                                   <p:childTnLst>
                                     <p:set>
                                       <p:cBhvr>
-                                        <p:cTn id="58" dur="1" fill="hold">
+                                        <p:cTn id="68" dur="1" fill="hold">
                                           <p:stCondLst>
                                             <p:cond delay="0"/>
                                           </p:stCondLst>
                                         </p:cTn>
                                         <p:tgtEl>
-                                          <p:spTgt spid="42"/>
+                                          <p:spTgt spid="49"/>
                                         </p:tgtEl>
                                         <p:attrNameLst>
                                           <p:attrName>style.visibility</p:attrName>
@@ -5436,74 +5807,20 @@
                                 </p:cTn>
                               </p:par>
                               <p:par>
-                                <p:cTn id="59" presetID="1" presetClass="entr" presetSubtype="0" fill="hold" nodeType="withEffect">
+                                <p:cTn id="69" presetID="1" presetClass="entr" presetSubtype="0" fill="hold" grpId="0" nodeType="withEffect">
                                   <p:stCondLst>
                                     <p:cond delay="0"/>
                                   </p:stCondLst>
                                   <p:childTnLst>
                                     <p:set>
                                       <p:cBhvr>
-                                        <p:cTn id="60" dur="1" fill="hold">
+                                        <p:cTn id="70" dur="1" fill="hold">
                                           <p:stCondLst>
                                             <p:cond delay="0"/>
                                           </p:stCondLst>
                                         </p:cTn>
                                         <p:tgtEl>
-                                          <p:spTgt spid="43"/>
-                                        </p:tgtEl>
-                                        <p:attrNameLst>
-                                          <p:attrName>style.visibility</p:attrName>
-                                        </p:attrNameLst>
-                                      </p:cBhvr>
-                                      <p:to>
-                                        <p:strVal val="visible"/>
-                                      </p:to>
-                                    </p:set>
-                                  </p:childTnLst>
-                                </p:cTn>
-                              </p:par>
-                              <p:par>
-                                <p:cTn id="61" presetID="1" presetClass="entr" presetSubtype="0" fill="hold" nodeType="withEffect">
-                                  <p:stCondLst>
-                                    <p:cond delay="0"/>
-                                  </p:stCondLst>
-                                  <p:childTnLst>
-                                    <p:set>
-                                      <p:cBhvr>
-                                        <p:cTn id="62" dur="1" fill="hold">
-                                          <p:stCondLst>
-                                            <p:cond delay="0"/>
-                                          </p:stCondLst>
-                                        </p:cTn>
-                                        <p:tgtEl>
-                                          <p:spTgt spid="45"/>
-                                        </p:tgtEl>
-                                        <p:attrNameLst>
-                                          <p:attrName>style.visibility</p:attrName>
-                                        </p:attrNameLst>
-                                      </p:cBhvr>
-                                      <p:to>
-                                        <p:strVal val="visible"/>
-                                      </p:to>
-                                    </p:set>
-                                  </p:childTnLst>
-                                </p:cTn>
-                              </p:par>
-                              <p:par>
-                                <p:cTn id="63" presetID="1" presetClass="entr" presetSubtype="0" fill="hold" nodeType="withEffect">
-                                  <p:stCondLst>
-                                    <p:cond delay="0"/>
-                                  </p:stCondLst>
-                                  <p:childTnLst>
-                                    <p:set>
-                                      <p:cBhvr>
-                                        <p:cTn id="64" dur="1" fill="hold">
-                                          <p:stCondLst>
-                                            <p:cond delay="0"/>
-                                          </p:stCondLst>
-                                        </p:cTn>
-                                        <p:tgtEl>
-                                          <p:spTgt spid="47"/>
+                                          <p:spTgt spid="52"/>
                                         </p:tgtEl>
                                         <p:attrNameLst>
                                           <p:attrName>style.visibility</p:attrName>
@@ -5548,15 +5865,16 @@
       <p:bldP spid="23" grpId="0" animBg="1"/>
       <p:bldP spid="24" grpId="0" animBg="1"/>
       <p:bldP spid="26" grpId="0"/>
-      <p:bldP spid="27" grpId="0" animBg="1"/>
       <p:bldP spid="28" grpId="0"/>
       <p:bldP spid="30" grpId="0" animBg="1"/>
-      <p:bldP spid="31" grpId="0"/>
       <p:bldP spid="32" grpId="0" animBg="1"/>
       <p:bldP spid="37" grpId="0" animBg="1"/>
       <p:bldP spid="38" grpId="0" animBg="1"/>
       <p:bldP spid="40" grpId="0" animBg="1"/>
       <p:bldP spid="41" grpId="0" animBg="1"/>
+      <p:bldP spid="44" grpId="0" animBg="1"/>
+      <p:bldP spid="49" grpId="0"/>
+      <p:bldP spid="52" grpId="0"/>
     </p:bldLst>
   </p:timing>
 </p:sld>
@@ -5728,7 +6046,7 @@
           <a:p>
             <a:pPr eaLnBrk="1" hangingPunct="1"/>
             <a:r>
-              <a:rPr lang="en-US" altLang="zh-CN" dirty="0" smtClean="0"/>
+              <a:rPr lang="en-US" altLang="zh-CN" dirty="0"/>
               <a:t>Lung SSM</a:t>
             </a:r>
             <a:endParaRPr lang="zh-CN" altLang="en-US" dirty="0"/>
@@ -5920,12 +6238,8 @@
           <a:p>
             <a:pPr eaLnBrk="1" hangingPunct="1"/>
             <a:r>
-              <a:rPr lang="en-US" altLang="zh-CN" dirty="0" smtClean="0"/>
-              <a:t>mode </a:t>
-            </a:r>
-            <a:r>
               <a:rPr lang="en-US" altLang="zh-CN" dirty="0"/>
-              <a:t>weights</a:t>
+              <a:t>mode weights</a:t>
             </a:r>
             <a:endParaRPr lang="zh-CN" altLang="en-US" dirty="0"/>
           </a:p>
@@ -6080,16 +6394,8 @@
           <a:p>
             <a:pPr eaLnBrk="1" hangingPunct="1"/>
             <a:r>
-              <a:rPr lang="en-US" altLang="zh-CN" dirty="0" smtClean="0"/>
-              <a:t>Separate </a:t>
-            </a:r>
-            <a:r>
               <a:rPr lang="en-US" altLang="zh-CN" dirty="0"/>
-              <a:t>lung </a:t>
-            </a:r>
-            <a:r>
-              <a:rPr lang="en-US" altLang="zh-CN" dirty="0" smtClean="0"/>
-              <a:t>mesh</a:t>
+              <a:t>Separate lung mesh</a:t>
             </a:r>
             <a:endParaRPr lang="zh-CN" altLang="en-US" dirty="0"/>
           </a:p>
@@ -6285,7 +6591,7 @@
           <a:p>
             <a:pPr eaLnBrk="1" hangingPunct="1"/>
             <a:r>
-              <a:rPr lang="en-US" altLang="zh-CN" dirty="0" smtClean="0"/>
+              <a:rPr lang="en-US" altLang="zh-CN" dirty="0"/>
               <a:t>Map</a:t>
             </a:r>
             <a:endParaRPr lang="zh-CN" altLang="en-US" dirty="0"/>
@@ -6441,7 +6747,7 @@
           <a:p>
             <a:pPr eaLnBrk="1" hangingPunct="1"/>
             <a:r>
-              <a:rPr lang="en-US" altLang="zh-CN" dirty="0" smtClean="0"/>
+              <a:rPr lang="en-US" altLang="zh-CN" dirty="0"/>
               <a:t>Lobar SSM</a:t>
             </a:r>
             <a:endParaRPr lang="zh-CN" altLang="en-US" dirty="0"/>
@@ -7860,7 +8166,7 @@
           <a:p>
             <a:pPr eaLnBrk="1" hangingPunct="1"/>
             <a:r>
-              <a:rPr lang="en-US" altLang="zh-CN" dirty="0" smtClean="0"/>
+              <a:rPr lang="en-US" altLang="zh-CN" dirty="0"/>
               <a:t>Hessian-based fissure detection</a:t>
             </a:r>
             <a:endParaRPr lang="zh-CN" altLang="en-US" dirty="0"/>
@@ -8016,7 +8322,7 @@
           <a:p>
             <a:pPr eaLnBrk="1" hangingPunct="1"/>
             <a:r>
-              <a:rPr lang="en-US" altLang="zh-CN" dirty="0" smtClean="0"/>
+              <a:rPr lang="en-US" altLang="zh-CN" dirty="0"/>
               <a:t>SSM predicted ROI</a:t>
             </a:r>
             <a:endParaRPr lang="zh-CN" altLang="en-US" dirty="0"/>
@@ -8208,7 +8514,7 @@
           <a:p>
             <a:pPr eaLnBrk="1" hangingPunct="1"/>
             <a:r>
-              <a:rPr lang="en-US" altLang="zh-CN" dirty="0" smtClean="0"/>
+              <a:rPr lang="en-US" altLang="zh-CN" dirty="0"/>
               <a:t>Connected component filters</a:t>
             </a:r>
             <a:endParaRPr lang="zh-CN" altLang="en-US" dirty="0"/>
@@ -8364,7 +8670,7 @@
           <a:p>
             <a:pPr eaLnBrk="1" hangingPunct="1"/>
             <a:r>
-              <a:rPr lang="en-US" altLang="zh-CN" dirty="0" smtClean="0"/>
+              <a:rPr lang="en-US" altLang="zh-CN" dirty="0"/>
               <a:t>Fissure surface fitting</a:t>
             </a:r>
             <a:endParaRPr lang="zh-CN" altLang="en-US" dirty="0"/>
